--- a/GitHub Desktop Tutorial - LSMM.pptx
+++ b/GitHub Desktop Tutorial - LSMM.pptx
@@ -19,7 +19,7 @@
     <p:sldId id="266" r:id="rId14"/>
   </p:sldIdLst>
   <p:sldSz cx="9144000" cy="5143500"/>
-  <p:notesSz cx="6858000" cy="9144000"/>
+  <p:notesSz cx="7772400" cy="10058400"/>
 </p:presentation>
 </file>
 
@@ -64,7 +64,7 @@
       </p:grpSpPr>
       <p:sp>
         <p:nvSpPr>
-          <p:cNvPr id="24" name="PlaceHolder 1"/>
+          <p:cNvPr id="23" name="PlaceHolder 1"/>
           <p:cNvSpPr>
             <a:spLocks noGrp="1"/>
           </p:cNvSpPr>
@@ -74,8 +74,8 @@
         </p:nvSpPr>
         <p:spPr>
           <a:xfrm>
-            <a:off x="311760" y="444960"/>
-            <a:ext cx="8520120" cy="572760"/>
+            <a:off x="311760" y="417960"/>
+            <a:ext cx="8519760" cy="626760"/>
           </a:xfrm>
           <a:prstGeom prst="rect">
             <a:avLst/>
@@ -84,13 +84,14 @@
         <p:txBody>
           <a:bodyPr lIns="0" rIns="0" tIns="0" bIns="0" anchor="ctr"/>
           <a:p>
-            <a:endParaRPr/>
-          </a:p>
-        </p:txBody>
-      </p:sp>
-      <p:sp>
-        <p:nvSpPr>
-          <p:cNvPr id="25" name="PlaceHolder 2"/>
+            <a:pPr algn="ctr"/>
+            <a:endParaRPr/>
+          </a:p>
+        </p:txBody>
+      </p:sp>
+      <p:sp>
+        <p:nvSpPr>
+          <p:cNvPr id="24" name="PlaceHolder 2"/>
           <p:cNvSpPr>
             <a:spLocks noGrp="1"/>
           </p:cNvSpPr>
@@ -101,7 +102,7 @@
         <p:spPr>
           <a:xfrm>
             <a:off x="311760" y="1152360"/>
-            <a:ext cx="8520120" cy="1629360"/>
+            <a:ext cx="8519760" cy="1629000"/>
           </a:xfrm>
           <a:prstGeom prst="rect">
             <a:avLst/>
@@ -116,7 +117,7 @@
       </p:sp>
       <p:sp>
         <p:nvSpPr>
-          <p:cNvPr id="26" name="PlaceHolder 3"/>
+          <p:cNvPr id="25" name="PlaceHolder 3"/>
           <p:cNvSpPr>
             <a:spLocks noGrp="1"/>
           </p:cNvSpPr>
@@ -126,8 +127,8 @@
         </p:nvSpPr>
         <p:spPr>
           <a:xfrm>
-            <a:off x="311760" y="2936880"/>
-            <a:ext cx="8520120" cy="1629360"/>
+            <a:off x="311760" y="2936520"/>
+            <a:ext cx="8519760" cy="1629000"/>
           </a:xfrm>
           <a:prstGeom prst="rect">
             <a:avLst/>
@@ -164,7 +165,7 @@
       </p:grpSpPr>
       <p:sp>
         <p:nvSpPr>
-          <p:cNvPr id="27" name="PlaceHolder 1"/>
+          <p:cNvPr id="26" name="PlaceHolder 1"/>
           <p:cNvSpPr>
             <a:spLocks noGrp="1"/>
           </p:cNvSpPr>
@@ -174,8 +175,8 @@
         </p:nvSpPr>
         <p:spPr>
           <a:xfrm>
-            <a:off x="311760" y="444960"/>
-            <a:ext cx="8520120" cy="572760"/>
+            <a:off x="311760" y="417960"/>
+            <a:ext cx="8519760" cy="626760"/>
           </a:xfrm>
           <a:prstGeom prst="rect">
             <a:avLst/>
@@ -184,13 +185,14 @@
         <p:txBody>
           <a:bodyPr lIns="0" rIns="0" tIns="0" bIns="0" anchor="ctr"/>
           <a:p>
-            <a:endParaRPr/>
-          </a:p>
-        </p:txBody>
-      </p:sp>
-      <p:sp>
-        <p:nvSpPr>
-          <p:cNvPr id="28" name="PlaceHolder 2"/>
+            <a:pPr algn="ctr"/>
+            <a:endParaRPr/>
+          </a:p>
+        </p:txBody>
+      </p:sp>
+      <p:sp>
+        <p:nvSpPr>
+          <p:cNvPr id="27" name="PlaceHolder 2"/>
           <p:cNvSpPr>
             <a:spLocks noGrp="1"/>
           </p:cNvSpPr>
@@ -201,7 +203,7 @@
         <p:spPr>
           <a:xfrm>
             <a:off x="311760" y="1152360"/>
-            <a:ext cx="4157640" cy="1629360"/>
+            <a:ext cx="4157280" cy="1629000"/>
           </a:xfrm>
           <a:prstGeom prst="rect">
             <a:avLst/>
@@ -216,7 +218,7 @@
       </p:sp>
       <p:sp>
         <p:nvSpPr>
-          <p:cNvPr id="29" name="PlaceHolder 3"/>
+          <p:cNvPr id="28" name="PlaceHolder 3"/>
           <p:cNvSpPr>
             <a:spLocks noGrp="1"/>
           </p:cNvSpPr>
@@ -226,8 +228,8 @@
         </p:nvSpPr>
         <p:spPr>
           <a:xfrm>
-            <a:off x="4677840" y="1152360"/>
-            <a:ext cx="4157640" cy="1629360"/>
+            <a:off x="4677120" y="1152360"/>
+            <a:ext cx="4157280" cy="1629000"/>
           </a:xfrm>
           <a:prstGeom prst="rect">
             <a:avLst/>
@@ -242,7 +244,7 @@
       </p:sp>
       <p:sp>
         <p:nvSpPr>
-          <p:cNvPr id="30" name="PlaceHolder 4"/>
+          <p:cNvPr id="29" name="PlaceHolder 4"/>
           <p:cNvSpPr>
             <a:spLocks noGrp="1"/>
           </p:cNvSpPr>
@@ -252,8 +254,8 @@
         </p:nvSpPr>
         <p:spPr>
           <a:xfrm>
-            <a:off x="4677840" y="2936880"/>
-            <a:ext cx="4157640" cy="1629360"/>
+            <a:off x="4677120" y="2936520"/>
+            <a:ext cx="4157280" cy="1629000"/>
           </a:xfrm>
           <a:prstGeom prst="rect">
             <a:avLst/>
@@ -268,7 +270,7 @@
       </p:sp>
       <p:sp>
         <p:nvSpPr>
-          <p:cNvPr id="31" name="PlaceHolder 5"/>
+          <p:cNvPr id="30" name="PlaceHolder 5"/>
           <p:cNvSpPr>
             <a:spLocks noGrp="1"/>
           </p:cNvSpPr>
@@ -278,8 +280,8 @@
         </p:nvSpPr>
         <p:spPr>
           <a:xfrm>
-            <a:off x="311760" y="2936880"/>
-            <a:ext cx="4157640" cy="1629360"/>
+            <a:off x="311760" y="2936520"/>
+            <a:ext cx="4157280" cy="1629000"/>
           </a:xfrm>
           <a:prstGeom prst="rect">
             <a:avLst/>
@@ -316,7 +318,7 @@
       </p:grpSpPr>
       <p:sp>
         <p:nvSpPr>
-          <p:cNvPr id="32" name="PlaceHolder 1"/>
+          <p:cNvPr id="31" name="PlaceHolder 1"/>
           <p:cNvSpPr>
             <a:spLocks noGrp="1"/>
           </p:cNvSpPr>
@@ -326,8 +328,8 @@
         </p:nvSpPr>
         <p:spPr>
           <a:xfrm>
-            <a:off x="311760" y="444960"/>
-            <a:ext cx="8520120" cy="572760"/>
+            <a:off x="311760" y="417960"/>
+            <a:ext cx="8519760" cy="626760"/>
           </a:xfrm>
           <a:prstGeom prst="rect">
             <a:avLst/>
@@ -336,13 +338,14 @@
         <p:txBody>
           <a:bodyPr lIns="0" rIns="0" tIns="0" bIns="0" anchor="ctr"/>
           <a:p>
-            <a:endParaRPr/>
-          </a:p>
-        </p:txBody>
-      </p:sp>
-      <p:sp>
-        <p:nvSpPr>
-          <p:cNvPr id="33" name="PlaceHolder 2"/>
+            <a:pPr algn="ctr"/>
+            <a:endParaRPr/>
+          </a:p>
+        </p:txBody>
+      </p:sp>
+      <p:sp>
+        <p:nvSpPr>
+          <p:cNvPr id="32" name="PlaceHolder 2"/>
           <p:cNvSpPr>
             <a:spLocks noGrp="1"/>
           </p:cNvSpPr>
@@ -353,7 +356,7 @@
         <p:spPr>
           <a:xfrm>
             <a:off x="311760" y="1152360"/>
-            <a:ext cx="8520120" cy="3416040"/>
+            <a:ext cx="8519760" cy="3415680"/>
           </a:xfrm>
           <a:prstGeom prst="rect">
             <a:avLst/>
@@ -368,7 +371,7 @@
       </p:sp>
       <p:sp>
         <p:nvSpPr>
-          <p:cNvPr id="34" name="PlaceHolder 3"/>
+          <p:cNvPr id="33" name="PlaceHolder 3"/>
           <p:cNvSpPr>
             <a:spLocks noGrp="1"/>
           </p:cNvSpPr>
@@ -379,7 +382,7 @@
         <p:spPr>
           <a:xfrm>
             <a:off x="311760" y="1152360"/>
-            <a:ext cx="8520120" cy="3416040"/>
+            <a:ext cx="8519760" cy="3415680"/>
           </a:xfrm>
           <a:prstGeom prst="rect">
             <a:avLst/>
@@ -394,7 +397,7 @@
       </p:sp>
       <p:pic>
         <p:nvPicPr>
-          <p:cNvPr id="35" name="" descr=""/>
+          <p:cNvPr id="34" name="" descr=""/>
           <p:cNvPicPr/>
           <p:nvPr/>
         </p:nvPicPr>
@@ -406,8 +409,8 @@
         </p:blipFill>
         <p:spPr>
           <a:xfrm>
-            <a:off x="2430720" y="1152000"/>
-            <a:ext cx="4281480" cy="3416040"/>
+            <a:off x="2431080" y="1152360"/>
+            <a:ext cx="4280760" cy="3415680"/>
           </a:xfrm>
           <a:prstGeom prst="rect">
             <a:avLst/>
@@ -419,7 +422,7 @@
       </p:pic>
       <p:pic>
         <p:nvPicPr>
-          <p:cNvPr id="36" name="" descr=""/>
+          <p:cNvPr id="35" name="" descr=""/>
           <p:cNvPicPr/>
           <p:nvPr/>
         </p:nvPicPr>
@@ -431,8 +434,8 @@
         </p:blipFill>
         <p:spPr>
           <a:xfrm>
-            <a:off x="2430720" y="1152000"/>
-            <a:ext cx="4281480" cy="3416040"/>
+            <a:off x="2431080" y="1152360"/>
+            <a:ext cx="4280760" cy="3415680"/>
           </a:xfrm>
           <a:prstGeom prst="rect">
             <a:avLst/>
@@ -488,7 +491,7 @@
       </p:grpSpPr>
       <p:sp>
         <p:nvSpPr>
-          <p:cNvPr id="40" name="PlaceHolder 1"/>
+          <p:cNvPr id="38" name="PlaceHolder 1"/>
           <p:cNvSpPr>
             <a:spLocks noGrp="1"/>
           </p:cNvSpPr>
@@ -498,8 +501,8 @@
         </p:nvSpPr>
         <p:spPr>
           <a:xfrm>
-            <a:off x="311760" y="444960"/>
-            <a:ext cx="8520120" cy="572760"/>
+            <a:off x="311760" y="417960"/>
+            <a:ext cx="8519760" cy="626760"/>
           </a:xfrm>
           <a:prstGeom prst="rect">
             <a:avLst/>
@@ -508,13 +511,14 @@
         <p:txBody>
           <a:bodyPr lIns="0" rIns="0" tIns="0" bIns="0" anchor="ctr"/>
           <a:p>
-            <a:endParaRPr/>
-          </a:p>
-        </p:txBody>
-      </p:sp>
-      <p:sp>
-        <p:nvSpPr>
-          <p:cNvPr id="41" name="PlaceHolder 2"/>
+            <a:pPr algn="ctr"/>
+            <a:endParaRPr/>
+          </a:p>
+        </p:txBody>
+      </p:sp>
+      <p:sp>
+        <p:nvSpPr>
+          <p:cNvPr id="39" name="PlaceHolder 2"/>
           <p:cNvSpPr>
             <a:spLocks noGrp="1"/>
           </p:cNvSpPr>
@@ -525,7 +529,7 @@
         <p:spPr>
           <a:xfrm>
             <a:off x="311760" y="1152360"/>
-            <a:ext cx="8520120" cy="3416400"/>
+            <a:ext cx="8519760" cy="3416040"/>
           </a:xfrm>
           <a:prstGeom prst="rect">
             <a:avLst/>
@@ -563,7 +567,7 @@
       </p:grpSpPr>
       <p:sp>
         <p:nvSpPr>
-          <p:cNvPr id="42" name="PlaceHolder 1"/>
+          <p:cNvPr id="40" name="PlaceHolder 1"/>
           <p:cNvSpPr>
             <a:spLocks noGrp="1"/>
           </p:cNvSpPr>
@@ -573,8 +577,8 @@
         </p:nvSpPr>
         <p:spPr>
           <a:xfrm>
-            <a:off x="311760" y="444960"/>
-            <a:ext cx="8520120" cy="572760"/>
+            <a:off x="311760" y="417960"/>
+            <a:ext cx="8519760" cy="626760"/>
           </a:xfrm>
           <a:prstGeom prst="rect">
             <a:avLst/>
@@ -583,13 +587,14 @@
         <p:txBody>
           <a:bodyPr lIns="0" rIns="0" tIns="0" bIns="0" anchor="ctr"/>
           <a:p>
-            <a:endParaRPr/>
-          </a:p>
-        </p:txBody>
-      </p:sp>
-      <p:sp>
-        <p:nvSpPr>
-          <p:cNvPr id="43" name="PlaceHolder 2"/>
+            <a:pPr algn="ctr"/>
+            <a:endParaRPr/>
+          </a:p>
+        </p:txBody>
+      </p:sp>
+      <p:sp>
+        <p:nvSpPr>
+          <p:cNvPr id="41" name="PlaceHolder 2"/>
           <p:cNvSpPr>
             <a:spLocks noGrp="1"/>
           </p:cNvSpPr>
@@ -600,7 +605,7 @@
         <p:spPr>
           <a:xfrm>
             <a:off x="311760" y="1152360"/>
-            <a:ext cx="8520120" cy="3416040"/>
+            <a:ext cx="8519760" cy="3415680"/>
           </a:xfrm>
           <a:prstGeom prst="rect">
             <a:avLst/>
@@ -637,7 +642,7 @@
       </p:grpSpPr>
       <p:sp>
         <p:nvSpPr>
-          <p:cNvPr id="44" name="PlaceHolder 1"/>
+          <p:cNvPr id="42" name="PlaceHolder 1"/>
           <p:cNvSpPr>
             <a:spLocks noGrp="1"/>
           </p:cNvSpPr>
@@ -647,8 +652,8 @@
         </p:nvSpPr>
         <p:spPr>
           <a:xfrm>
-            <a:off x="311760" y="444960"/>
-            <a:ext cx="8520120" cy="572760"/>
+            <a:off x="311760" y="417960"/>
+            <a:ext cx="8519760" cy="626760"/>
           </a:xfrm>
           <a:prstGeom prst="rect">
             <a:avLst/>
@@ -657,13 +662,14 @@
         <p:txBody>
           <a:bodyPr lIns="0" rIns="0" tIns="0" bIns="0" anchor="ctr"/>
           <a:p>
-            <a:endParaRPr/>
-          </a:p>
-        </p:txBody>
-      </p:sp>
-      <p:sp>
-        <p:nvSpPr>
-          <p:cNvPr id="45" name="PlaceHolder 2"/>
+            <a:pPr algn="ctr"/>
+            <a:endParaRPr/>
+          </a:p>
+        </p:txBody>
+      </p:sp>
+      <p:sp>
+        <p:nvSpPr>
+          <p:cNvPr id="43" name="PlaceHolder 2"/>
           <p:cNvSpPr>
             <a:spLocks noGrp="1"/>
           </p:cNvSpPr>
@@ -674,7 +680,7 @@
         <p:spPr>
           <a:xfrm>
             <a:off x="311760" y="1152360"/>
-            <a:ext cx="4157640" cy="3416040"/>
+            <a:ext cx="4157280" cy="3415680"/>
           </a:xfrm>
           <a:prstGeom prst="rect">
             <a:avLst/>
@@ -689,7 +695,7 @@
       </p:sp>
       <p:sp>
         <p:nvSpPr>
-          <p:cNvPr id="46" name="PlaceHolder 3"/>
+          <p:cNvPr id="44" name="PlaceHolder 3"/>
           <p:cNvSpPr>
             <a:spLocks noGrp="1"/>
           </p:cNvSpPr>
@@ -699,8 +705,8 @@
         </p:nvSpPr>
         <p:spPr>
           <a:xfrm>
-            <a:off x="4677840" y="1152360"/>
-            <a:ext cx="4157640" cy="3416040"/>
+            <a:off x="4677120" y="1152360"/>
+            <a:ext cx="4157280" cy="3415680"/>
           </a:xfrm>
           <a:prstGeom prst="rect">
             <a:avLst/>
@@ -737,7 +743,7 @@
       </p:grpSpPr>
       <p:sp>
         <p:nvSpPr>
-          <p:cNvPr id="47" name="PlaceHolder 1"/>
+          <p:cNvPr id="45" name="PlaceHolder 1"/>
           <p:cNvSpPr>
             <a:spLocks noGrp="1"/>
           </p:cNvSpPr>
@@ -747,8 +753,8 @@
         </p:nvSpPr>
         <p:spPr>
           <a:xfrm>
-            <a:off x="311760" y="444960"/>
-            <a:ext cx="8520120" cy="572760"/>
+            <a:off x="311760" y="417960"/>
+            <a:ext cx="8519760" cy="626760"/>
           </a:xfrm>
           <a:prstGeom prst="rect">
             <a:avLst/>
@@ -757,6 +763,7 @@
         <p:txBody>
           <a:bodyPr lIns="0" rIns="0" tIns="0" bIns="0" anchor="ctr"/>
           <a:p>
+            <a:pPr algn="ctr"/>
             <a:endParaRPr/>
           </a:p>
         </p:txBody>
@@ -785,7 +792,7 @@
       </p:grpSpPr>
       <p:sp>
         <p:nvSpPr>
-          <p:cNvPr id="48" name="PlaceHolder 1"/>
+          <p:cNvPr id="46" name="PlaceHolder 1"/>
           <p:cNvSpPr>
             <a:spLocks noGrp="1"/>
           </p:cNvSpPr>
@@ -796,7 +803,7 @@
         <p:spPr>
           <a:xfrm>
             <a:off x="311760" y="444960"/>
-            <a:ext cx="8520120" cy="2655000"/>
+            <a:ext cx="8519760" cy="2655000"/>
           </a:xfrm>
           <a:prstGeom prst="rect">
             <a:avLst/>
@@ -834,7 +841,7 @@
       </p:grpSpPr>
       <p:sp>
         <p:nvSpPr>
-          <p:cNvPr id="49" name="PlaceHolder 1"/>
+          <p:cNvPr id="47" name="PlaceHolder 1"/>
           <p:cNvSpPr>
             <a:spLocks noGrp="1"/>
           </p:cNvSpPr>
@@ -844,8 +851,8 @@
         </p:nvSpPr>
         <p:spPr>
           <a:xfrm>
-            <a:off x="311760" y="444960"/>
-            <a:ext cx="8520120" cy="572760"/>
+            <a:off x="311760" y="417960"/>
+            <a:ext cx="8519760" cy="626760"/>
           </a:xfrm>
           <a:prstGeom prst="rect">
             <a:avLst/>
@@ -854,13 +861,14 @@
         <p:txBody>
           <a:bodyPr lIns="0" rIns="0" tIns="0" bIns="0" anchor="ctr"/>
           <a:p>
-            <a:endParaRPr/>
-          </a:p>
-        </p:txBody>
-      </p:sp>
-      <p:sp>
-        <p:nvSpPr>
-          <p:cNvPr id="50" name="PlaceHolder 2"/>
+            <a:pPr algn="ctr"/>
+            <a:endParaRPr/>
+          </a:p>
+        </p:txBody>
+      </p:sp>
+      <p:sp>
+        <p:nvSpPr>
+          <p:cNvPr id="48" name="PlaceHolder 2"/>
           <p:cNvSpPr>
             <a:spLocks noGrp="1"/>
           </p:cNvSpPr>
@@ -871,7 +879,7 @@
         <p:spPr>
           <a:xfrm>
             <a:off x="311760" y="1152360"/>
-            <a:ext cx="4157640" cy="1629360"/>
+            <a:ext cx="4157280" cy="1629000"/>
           </a:xfrm>
           <a:prstGeom prst="rect">
             <a:avLst/>
@@ -886,7 +894,7 @@
       </p:sp>
       <p:sp>
         <p:nvSpPr>
-          <p:cNvPr id="51" name="PlaceHolder 3"/>
+          <p:cNvPr id="49" name="PlaceHolder 3"/>
           <p:cNvSpPr>
             <a:spLocks noGrp="1"/>
           </p:cNvSpPr>
@@ -896,8 +904,8 @@
         </p:nvSpPr>
         <p:spPr>
           <a:xfrm>
-            <a:off x="311760" y="2936880"/>
-            <a:ext cx="4157640" cy="1629360"/>
+            <a:off x="311760" y="2936520"/>
+            <a:ext cx="4157280" cy="1629000"/>
           </a:xfrm>
           <a:prstGeom prst="rect">
             <a:avLst/>
@@ -912,7 +920,7 @@
       </p:sp>
       <p:sp>
         <p:nvSpPr>
-          <p:cNvPr id="52" name="PlaceHolder 4"/>
+          <p:cNvPr id="50" name="PlaceHolder 4"/>
           <p:cNvSpPr>
             <a:spLocks noGrp="1"/>
           </p:cNvSpPr>
@@ -922,8 +930,8 @@
         </p:nvSpPr>
         <p:spPr>
           <a:xfrm>
-            <a:off x="4677840" y="1152360"/>
-            <a:ext cx="4157640" cy="3416040"/>
+            <a:off x="4677120" y="1152360"/>
+            <a:ext cx="4157280" cy="3415680"/>
           </a:xfrm>
           <a:prstGeom prst="rect">
             <a:avLst/>
@@ -960,7 +968,7 @@
       </p:grpSpPr>
       <p:sp>
         <p:nvSpPr>
-          <p:cNvPr id="3" name="PlaceHolder 1"/>
+          <p:cNvPr id="2" name="PlaceHolder 1"/>
           <p:cNvSpPr>
             <a:spLocks noGrp="1"/>
           </p:cNvSpPr>
@@ -970,8 +978,8 @@
         </p:nvSpPr>
         <p:spPr>
           <a:xfrm>
-            <a:off x="311760" y="444960"/>
-            <a:ext cx="8520120" cy="572760"/>
+            <a:off x="311760" y="417960"/>
+            <a:ext cx="8519760" cy="626760"/>
           </a:xfrm>
           <a:prstGeom prst="rect">
             <a:avLst/>
@@ -980,13 +988,14 @@
         <p:txBody>
           <a:bodyPr lIns="0" rIns="0" tIns="0" bIns="0" anchor="ctr"/>
           <a:p>
-            <a:endParaRPr/>
-          </a:p>
-        </p:txBody>
-      </p:sp>
-      <p:sp>
-        <p:nvSpPr>
-          <p:cNvPr id="4" name="PlaceHolder 2"/>
+            <a:pPr algn="ctr"/>
+            <a:endParaRPr/>
+          </a:p>
+        </p:txBody>
+      </p:sp>
+      <p:sp>
+        <p:nvSpPr>
+          <p:cNvPr id="3" name="PlaceHolder 2"/>
           <p:cNvSpPr>
             <a:spLocks noGrp="1"/>
           </p:cNvSpPr>
@@ -997,7 +1006,7 @@
         <p:spPr>
           <a:xfrm>
             <a:off x="311760" y="1152360"/>
-            <a:ext cx="8520120" cy="3416400"/>
+            <a:ext cx="8519760" cy="3416040"/>
           </a:xfrm>
           <a:prstGeom prst="rect">
             <a:avLst/>
@@ -1035,7 +1044,7 @@
       </p:grpSpPr>
       <p:sp>
         <p:nvSpPr>
-          <p:cNvPr id="53" name="PlaceHolder 1"/>
+          <p:cNvPr id="51" name="PlaceHolder 1"/>
           <p:cNvSpPr>
             <a:spLocks noGrp="1"/>
           </p:cNvSpPr>
@@ -1045,8 +1054,8 @@
         </p:nvSpPr>
         <p:spPr>
           <a:xfrm>
-            <a:off x="311760" y="444960"/>
-            <a:ext cx="8520120" cy="572760"/>
+            <a:off x="311760" y="417960"/>
+            <a:ext cx="8519760" cy="626760"/>
           </a:xfrm>
           <a:prstGeom prst="rect">
             <a:avLst/>
@@ -1055,13 +1064,14 @@
         <p:txBody>
           <a:bodyPr lIns="0" rIns="0" tIns="0" bIns="0" anchor="ctr"/>
           <a:p>
-            <a:endParaRPr/>
-          </a:p>
-        </p:txBody>
-      </p:sp>
-      <p:sp>
-        <p:nvSpPr>
-          <p:cNvPr id="54" name="PlaceHolder 2"/>
+            <a:pPr algn="ctr"/>
+            <a:endParaRPr/>
+          </a:p>
+        </p:txBody>
+      </p:sp>
+      <p:sp>
+        <p:nvSpPr>
+          <p:cNvPr id="52" name="PlaceHolder 2"/>
           <p:cNvSpPr>
             <a:spLocks noGrp="1"/>
           </p:cNvSpPr>
@@ -1072,7 +1082,7 @@
         <p:spPr>
           <a:xfrm>
             <a:off x="311760" y="1152360"/>
-            <a:ext cx="4157640" cy="3416040"/>
+            <a:ext cx="4157280" cy="3415680"/>
           </a:xfrm>
           <a:prstGeom prst="rect">
             <a:avLst/>
@@ -1087,7 +1097,7 @@
       </p:sp>
       <p:sp>
         <p:nvSpPr>
-          <p:cNvPr id="55" name="PlaceHolder 3"/>
+          <p:cNvPr id="53" name="PlaceHolder 3"/>
           <p:cNvSpPr>
             <a:spLocks noGrp="1"/>
           </p:cNvSpPr>
@@ -1097,8 +1107,8 @@
         </p:nvSpPr>
         <p:spPr>
           <a:xfrm>
-            <a:off x="4677840" y="1152360"/>
-            <a:ext cx="4157640" cy="1629360"/>
+            <a:off x="4677120" y="1152360"/>
+            <a:ext cx="4157280" cy="1629000"/>
           </a:xfrm>
           <a:prstGeom prst="rect">
             <a:avLst/>
@@ -1113,7 +1123,7 @@
       </p:sp>
       <p:sp>
         <p:nvSpPr>
-          <p:cNvPr id="56" name="PlaceHolder 4"/>
+          <p:cNvPr id="54" name="PlaceHolder 4"/>
           <p:cNvSpPr>
             <a:spLocks noGrp="1"/>
           </p:cNvSpPr>
@@ -1123,8 +1133,8 @@
         </p:nvSpPr>
         <p:spPr>
           <a:xfrm>
-            <a:off x="4677840" y="2936880"/>
-            <a:ext cx="4157640" cy="1629360"/>
+            <a:off x="4677120" y="2936520"/>
+            <a:ext cx="4157280" cy="1629000"/>
           </a:xfrm>
           <a:prstGeom prst="rect">
             <a:avLst/>
@@ -1161,7 +1171,7 @@
       </p:grpSpPr>
       <p:sp>
         <p:nvSpPr>
-          <p:cNvPr id="57" name="PlaceHolder 1"/>
+          <p:cNvPr id="55" name="PlaceHolder 1"/>
           <p:cNvSpPr>
             <a:spLocks noGrp="1"/>
           </p:cNvSpPr>
@@ -1171,8 +1181,8 @@
         </p:nvSpPr>
         <p:spPr>
           <a:xfrm>
-            <a:off x="311760" y="444960"/>
-            <a:ext cx="8520120" cy="572760"/>
+            <a:off x="311760" y="417960"/>
+            <a:ext cx="8519760" cy="626760"/>
           </a:xfrm>
           <a:prstGeom prst="rect">
             <a:avLst/>
@@ -1181,13 +1191,14 @@
         <p:txBody>
           <a:bodyPr lIns="0" rIns="0" tIns="0" bIns="0" anchor="ctr"/>
           <a:p>
-            <a:endParaRPr/>
-          </a:p>
-        </p:txBody>
-      </p:sp>
-      <p:sp>
-        <p:nvSpPr>
-          <p:cNvPr id="58" name="PlaceHolder 2"/>
+            <a:pPr algn="ctr"/>
+            <a:endParaRPr/>
+          </a:p>
+        </p:txBody>
+      </p:sp>
+      <p:sp>
+        <p:nvSpPr>
+          <p:cNvPr id="56" name="PlaceHolder 2"/>
           <p:cNvSpPr>
             <a:spLocks noGrp="1"/>
           </p:cNvSpPr>
@@ -1198,7 +1209,7 @@
         <p:spPr>
           <a:xfrm>
             <a:off x="311760" y="1152360"/>
-            <a:ext cx="4157640" cy="1629360"/>
+            <a:ext cx="4157280" cy="1629000"/>
           </a:xfrm>
           <a:prstGeom prst="rect">
             <a:avLst/>
@@ -1213,7 +1224,7 @@
       </p:sp>
       <p:sp>
         <p:nvSpPr>
-          <p:cNvPr id="59" name="PlaceHolder 3"/>
+          <p:cNvPr id="57" name="PlaceHolder 3"/>
           <p:cNvSpPr>
             <a:spLocks noGrp="1"/>
           </p:cNvSpPr>
@@ -1223,8 +1234,8 @@
         </p:nvSpPr>
         <p:spPr>
           <a:xfrm>
-            <a:off x="4677840" y="1152360"/>
-            <a:ext cx="4157640" cy="1629360"/>
+            <a:off x="4677120" y="1152360"/>
+            <a:ext cx="4157280" cy="1629000"/>
           </a:xfrm>
           <a:prstGeom prst="rect">
             <a:avLst/>
@@ -1239,7 +1250,7 @@
       </p:sp>
       <p:sp>
         <p:nvSpPr>
-          <p:cNvPr id="60" name="PlaceHolder 4"/>
+          <p:cNvPr id="58" name="PlaceHolder 4"/>
           <p:cNvSpPr>
             <a:spLocks noGrp="1"/>
           </p:cNvSpPr>
@@ -1249,8 +1260,8 @@
         </p:nvSpPr>
         <p:spPr>
           <a:xfrm>
-            <a:off x="311760" y="2936880"/>
-            <a:ext cx="8520120" cy="1629360"/>
+            <a:off x="311760" y="2936520"/>
+            <a:ext cx="8519760" cy="1629000"/>
           </a:xfrm>
           <a:prstGeom prst="rect">
             <a:avLst/>
@@ -1287,7 +1298,7 @@
       </p:grpSpPr>
       <p:sp>
         <p:nvSpPr>
-          <p:cNvPr id="61" name="PlaceHolder 1"/>
+          <p:cNvPr id="59" name="PlaceHolder 1"/>
           <p:cNvSpPr>
             <a:spLocks noGrp="1"/>
           </p:cNvSpPr>
@@ -1297,8 +1308,8 @@
         </p:nvSpPr>
         <p:spPr>
           <a:xfrm>
-            <a:off x="311760" y="444960"/>
-            <a:ext cx="8520120" cy="572760"/>
+            <a:off x="311760" y="417960"/>
+            <a:ext cx="8519760" cy="626760"/>
           </a:xfrm>
           <a:prstGeom prst="rect">
             <a:avLst/>
@@ -1307,13 +1318,14 @@
         <p:txBody>
           <a:bodyPr lIns="0" rIns="0" tIns="0" bIns="0" anchor="ctr"/>
           <a:p>
-            <a:endParaRPr/>
-          </a:p>
-        </p:txBody>
-      </p:sp>
-      <p:sp>
-        <p:nvSpPr>
-          <p:cNvPr id="62" name="PlaceHolder 2"/>
+            <a:pPr algn="ctr"/>
+            <a:endParaRPr/>
+          </a:p>
+        </p:txBody>
+      </p:sp>
+      <p:sp>
+        <p:nvSpPr>
+          <p:cNvPr id="60" name="PlaceHolder 2"/>
           <p:cNvSpPr>
             <a:spLocks noGrp="1"/>
           </p:cNvSpPr>
@@ -1324,7 +1336,7 @@
         <p:spPr>
           <a:xfrm>
             <a:off x="311760" y="1152360"/>
-            <a:ext cx="8520120" cy="1629360"/>
+            <a:ext cx="8519760" cy="1629000"/>
           </a:xfrm>
           <a:prstGeom prst="rect">
             <a:avLst/>
@@ -1339,7 +1351,7 @@
       </p:sp>
       <p:sp>
         <p:nvSpPr>
-          <p:cNvPr id="63" name="PlaceHolder 3"/>
+          <p:cNvPr id="61" name="PlaceHolder 3"/>
           <p:cNvSpPr>
             <a:spLocks noGrp="1"/>
           </p:cNvSpPr>
@@ -1349,8 +1361,8 @@
         </p:nvSpPr>
         <p:spPr>
           <a:xfrm>
-            <a:off x="311760" y="2936880"/>
-            <a:ext cx="8520120" cy="1629360"/>
+            <a:off x="311760" y="2936520"/>
+            <a:ext cx="8519760" cy="1629000"/>
           </a:xfrm>
           <a:prstGeom prst="rect">
             <a:avLst/>
@@ -1387,7 +1399,7 @@
       </p:grpSpPr>
       <p:sp>
         <p:nvSpPr>
-          <p:cNvPr id="64" name="PlaceHolder 1"/>
+          <p:cNvPr id="62" name="PlaceHolder 1"/>
           <p:cNvSpPr>
             <a:spLocks noGrp="1"/>
           </p:cNvSpPr>
@@ -1397,8 +1409,8 @@
         </p:nvSpPr>
         <p:spPr>
           <a:xfrm>
-            <a:off x="311760" y="444960"/>
-            <a:ext cx="8520120" cy="572760"/>
+            <a:off x="311760" y="417960"/>
+            <a:ext cx="8519760" cy="626760"/>
           </a:xfrm>
           <a:prstGeom prst="rect">
             <a:avLst/>
@@ -1407,13 +1419,14 @@
         <p:txBody>
           <a:bodyPr lIns="0" rIns="0" tIns="0" bIns="0" anchor="ctr"/>
           <a:p>
-            <a:endParaRPr/>
-          </a:p>
-        </p:txBody>
-      </p:sp>
-      <p:sp>
-        <p:nvSpPr>
-          <p:cNvPr id="65" name="PlaceHolder 2"/>
+            <a:pPr algn="ctr"/>
+            <a:endParaRPr/>
+          </a:p>
+        </p:txBody>
+      </p:sp>
+      <p:sp>
+        <p:nvSpPr>
+          <p:cNvPr id="63" name="PlaceHolder 2"/>
           <p:cNvSpPr>
             <a:spLocks noGrp="1"/>
           </p:cNvSpPr>
@@ -1424,7 +1437,7 @@
         <p:spPr>
           <a:xfrm>
             <a:off x="311760" y="1152360"/>
-            <a:ext cx="4157640" cy="1629360"/>
+            <a:ext cx="4157280" cy="1629000"/>
           </a:xfrm>
           <a:prstGeom prst="rect">
             <a:avLst/>
@@ -1439,7 +1452,7 @@
       </p:sp>
       <p:sp>
         <p:nvSpPr>
-          <p:cNvPr id="66" name="PlaceHolder 3"/>
+          <p:cNvPr id="64" name="PlaceHolder 3"/>
           <p:cNvSpPr>
             <a:spLocks noGrp="1"/>
           </p:cNvSpPr>
@@ -1449,8 +1462,8 @@
         </p:nvSpPr>
         <p:spPr>
           <a:xfrm>
-            <a:off x="4677840" y="1152360"/>
-            <a:ext cx="4157640" cy="1629360"/>
+            <a:off x="4677120" y="1152360"/>
+            <a:ext cx="4157280" cy="1629000"/>
           </a:xfrm>
           <a:prstGeom prst="rect">
             <a:avLst/>
@@ -1465,7 +1478,7 @@
       </p:sp>
       <p:sp>
         <p:nvSpPr>
-          <p:cNvPr id="67" name="PlaceHolder 4"/>
+          <p:cNvPr id="65" name="PlaceHolder 4"/>
           <p:cNvSpPr>
             <a:spLocks noGrp="1"/>
           </p:cNvSpPr>
@@ -1475,8 +1488,8 @@
         </p:nvSpPr>
         <p:spPr>
           <a:xfrm>
-            <a:off x="4677840" y="2936880"/>
-            <a:ext cx="4157640" cy="1629360"/>
+            <a:off x="4677120" y="2936520"/>
+            <a:ext cx="4157280" cy="1629000"/>
           </a:xfrm>
           <a:prstGeom prst="rect">
             <a:avLst/>
@@ -1491,7 +1504,7 @@
       </p:sp>
       <p:sp>
         <p:nvSpPr>
-          <p:cNvPr id="68" name="PlaceHolder 5"/>
+          <p:cNvPr id="66" name="PlaceHolder 5"/>
           <p:cNvSpPr>
             <a:spLocks noGrp="1"/>
           </p:cNvSpPr>
@@ -1501,8 +1514,8 @@
         </p:nvSpPr>
         <p:spPr>
           <a:xfrm>
-            <a:off x="311760" y="2936880"/>
-            <a:ext cx="4157640" cy="1629360"/>
+            <a:off x="311760" y="2936520"/>
+            <a:ext cx="4157280" cy="1629000"/>
           </a:xfrm>
           <a:prstGeom prst="rect">
             <a:avLst/>
@@ -1539,7 +1552,7 @@
       </p:grpSpPr>
       <p:sp>
         <p:nvSpPr>
-          <p:cNvPr id="69" name="PlaceHolder 1"/>
+          <p:cNvPr id="67" name="PlaceHolder 1"/>
           <p:cNvSpPr>
             <a:spLocks noGrp="1"/>
           </p:cNvSpPr>
@@ -1549,8 +1562,8 @@
         </p:nvSpPr>
         <p:spPr>
           <a:xfrm>
-            <a:off x="311760" y="444960"/>
-            <a:ext cx="8520120" cy="572760"/>
+            <a:off x="311760" y="417960"/>
+            <a:ext cx="8519760" cy="626760"/>
           </a:xfrm>
           <a:prstGeom prst="rect">
             <a:avLst/>
@@ -1559,13 +1572,14 @@
         <p:txBody>
           <a:bodyPr lIns="0" rIns="0" tIns="0" bIns="0" anchor="ctr"/>
           <a:p>
-            <a:endParaRPr/>
-          </a:p>
-        </p:txBody>
-      </p:sp>
-      <p:sp>
-        <p:nvSpPr>
-          <p:cNvPr id="70" name="PlaceHolder 2"/>
+            <a:pPr algn="ctr"/>
+            <a:endParaRPr/>
+          </a:p>
+        </p:txBody>
+      </p:sp>
+      <p:sp>
+        <p:nvSpPr>
+          <p:cNvPr id="68" name="PlaceHolder 2"/>
           <p:cNvSpPr>
             <a:spLocks noGrp="1"/>
           </p:cNvSpPr>
@@ -1576,7 +1590,7 @@
         <p:spPr>
           <a:xfrm>
             <a:off x="311760" y="1152360"/>
-            <a:ext cx="8520120" cy="3416040"/>
+            <a:ext cx="8519760" cy="3415680"/>
           </a:xfrm>
           <a:prstGeom prst="rect">
             <a:avLst/>
@@ -1591,7 +1605,7 @@
       </p:sp>
       <p:sp>
         <p:nvSpPr>
-          <p:cNvPr id="71" name="PlaceHolder 3"/>
+          <p:cNvPr id="69" name="PlaceHolder 3"/>
           <p:cNvSpPr>
             <a:spLocks noGrp="1"/>
           </p:cNvSpPr>
@@ -1602,7 +1616,7 @@
         <p:spPr>
           <a:xfrm>
             <a:off x="311760" y="1152360"/>
-            <a:ext cx="8520120" cy="3416040"/>
+            <a:ext cx="8519760" cy="3415680"/>
           </a:xfrm>
           <a:prstGeom prst="rect">
             <a:avLst/>
@@ -1617,7 +1631,7 @@
       </p:sp>
       <p:pic>
         <p:nvPicPr>
-          <p:cNvPr id="72" name="" descr=""/>
+          <p:cNvPr id="70" name="" descr=""/>
           <p:cNvPicPr/>
           <p:nvPr/>
         </p:nvPicPr>
@@ -1629,8 +1643,8 @@
         </p:blipFill>
         <p:spPr>
           <a:xfrm>
-            <a:off x="2430720" y="1152000"/>
-            <a:ext cx="4281480" cy="3416040"/>
+            <a:off x="2431080" y="1152360"/>
+            <a:ext cx="4280760" cy="3415680"/>
           </a:xfrm>
           <a:prstGeom prst="rect">
             <a:avLst/>
@@ -1642,7 +1656,7 @@
       </p:pic>
       <p:pic>
         <p:nvPicPr>
-          <p:cNvPr id="73" name="" descr=""/>
+          <p:cNvPr id="71" name="" descr=""/>
           <p:cNvPicPr/>
           <p:nvPr/>
         </p:nvPicPr>
@@ -1654,8 +1668,8 @@
         </p:blipFill>
         <p:spPr>
           <a:xfrm>
-            <a:off x="2430720" y="1152000"/>
-            <a:ext cx="4281480" cy="3416040"/>
+            <a:off x="2431080" y="1152360"/>
+            <a:ext cx="4280760" cy="3415680"/>
           </a:xfrm>
           <a:prstGeom prst="rect">
             <a:avLst/>
@@ -1689,7 +1703,7 @@
       </p:grpSpPr>
       <p:sp>
         <p:nvSpPr>
-          <p:cNvPr id="5" name="PlaceHolder 1"/>
+          <p:cNvPr id="4" name="PlaceHolder 1"/>
           <p:cNvSpPr>
             <a:spLocks noGrp="1"/>
           </p:cNvSpPr>
@@ -1699,8 +1713,8 @@
         </p:nvSpPr>
         <p:spPr>
           <a:xfrm>
-            <a:off x="311760" y="444960"/>
-            <a:ext cx="8520120" cy="572760"/>
+            <a:off x="311760" y="417960"/>
+            <a:ext cx="8519760" cy="626760"/>
           </a:xfrm>
           <a:prstGeom prst="rect">
             <a:avLst/>
@@ -1709,13 +1723,14 @@
         <p:txBody>
           <a:bodyPr lIns="0" rIns="0" tIns="0" bIns="0" anchor="ctr"/>
           <a:p>
-            <a:endParaRPr/>
-          </a:p>
-        </p:txBody>
-      </p:sp>
-      <p:sp>
-        <p:nvSpPr>
-          <p:cNvPr id="6" name="PlaceHolder 2"/>
+            <a:pPr algn="ctr"/>
+            <a:endParaRPr/>
+          </a:p>
+        </p:txBody>
+      </p:sp>
+      <p:sp>
+        <p:nvSpPr>
+          <p:cNvPr id="5" name="PlaceHolder 2"/>
           <p:cNvSpPr>
             <a:spLocks noGrp="1"/>
           </p:cNvSpPr>
@@ -1726,7 +1741,7 @@
         <p:spPr>
           <a:xfrm>
             <a:off x="311760" y="1152360"/>
-            <a:ext cx="8520120" cy="3416040"/>
+            <a:ext cx="8519760" cy="3415680"/>
           </a:xfrm>
           <a:prstGeom prst="rect">
             <a:avLst/>
@@ -1763,7 +1778,7 @@
       </p:grpSpPr>
       <p:sp>
         <p:nvSpPr>
-          <p:cNvPr id="7" name="PlaceHolder 1"/>
+          <p:cNvPr id="6" name="PlaceHolder 1"/>
           <p:cNvSpPr>
             <a:spLocks noGrp="1"/>
           </p:cNvSpPr>
@@ -1773,8 +1788,8 @@
         </p:nvSpPr>
         <p:spPr>
           <a:xfrm>
-            <a:off x="311760" y="444960"/>
-            <a:ext cx="8520120" cy="572760"/>
+            <a:off x="311760" y="417960"/>
+            <a:ext cx="8519760" cy="626760"/>
           </a:xfrm>
           <a:prstGeom prst="rect">
             <a:avLst/>
@@ -1783,13 +1798,14 @@
         <p:txBody>
           <a:bodyPr lIns="0" rIns="0" tIns="0" bIns="0" anchor="ctr"/>
           <a:p>
-            <a:endParaRPr/>
-          </a:p>
-        </p:txBody>
-      </p:sp>
-      <p:sp>
-        <p:nvSpPr>
-          <p:cNvPr id="8" name="PlaceHolder 2"/>
+            <a:pPr algn="ctr"/>
+            <a:endParaRPr/>
+          </a:p>
+        </p:txBody>
+      </p:sp>
+      <p:sp>
+        <p:nvSpPr>
+          <p:cNvPr id="7" name="PlaceHolder 2"/>
           <p:cNvSpPr>
             <a:spLocks noGrp="1"/>
           </p:cNvSpPr>
@@ -1800,7 +1816,7 @@
         <p:spPr>
           <a:xfrm>
             <a:off x="311760" y="1152360"/>
-            <a:ext cx="4157640" cy="3416040"/>
+            <a:ext cx="4157280" cy="3415680"/>
           </a:xfrm>
           <a:prstGeom prst="rect">
             <a:avLst/>
@@ -1815,7 +1831,7 @@
       </p:sp>
       <p:sp>
         <p:nvSpPr>
-          <p:cNvPr id="9" name="PlaceHolder 3"/>
+          <p:cNvPr id="8" name="PlaceHolder 3"/>
           <p:cNvSpPr>
             <a:spLocks noGrp="1"/>
           </p:cNvSpPr>
@@ -1825,8 +1841,8 @@
         </p:nvSpPr>
         <p:spPr>
           <a:xfrm>
-            <a:off x="4677840" y="1152360"/>
-            <a:ext cx="4157640" cy="3416040"/>
+            <a:off x="4677120" y="1152360"/>
+            <a:ext cx="4157280" cy="3415680"/>
           </a:xfrm>
           <a:prstGeom prst="rect">
             <a:avLst/>
@@ -1863,7 +1879,7 @@
       </p:grpSpPr>
       <p:sp>
         <p:nvSpPr>
-          <p:cNvPr id="10" name="PlaceHolder 1"/>
+          <p:cNvPr id="9" name="PlaceHolder 1"/>
           <p:cNvSpPr>
             <a:spLocks noGrp="1"/>
           </p:cNvSpPr>
@@ -1873,8 +1889,8 @@
         </p:nvSpPr>
         <p:spPr>
           <a:xfrm>
-            <a:off x="311760" y="444960"/>
-            <a:ext cx="8520120" cy="572760"/>
+            <a:off x="311760" y="417960"/>
+            <a:ext cx="8519760" cy="626760"/>
           </a:xfrm>
           <a:prstGeom prst="rect">
             <a:avLst/>
@@ -1883,6 +1899,7 @@
         <p:txBody>
           <a:bodyPr lIns="0" rIns="0" tIns="0" bIns="0" anchor="ctr"/>
           <a:p>
+            <a:pPr algn="ctr"/>
             <a:endParaRPr/>
           </a:p>
         </p:txBody>
@@ -1911,7 +1928,7 @@
       </p:grpSpPr>
       <p:sp>
         <p:nvSpPr>
-          <p:cNvPr id="11" name="PlaceHolder 1"/>
+          <p:cNvPr id="10" name="PlaceHolder 1"/>
           <p:cNvSpPr>
             <a:spLocks noGrp="1"/>
           </p:cNvSpPr>
@@ -1922,7 +1939,7 @@
         <p:spPr>
           <a:xfrm>
             <a:off x="311760" y="444960"/>
-            <a:ext cx="8520120" cy="2655000"/>
+            <a:ext cx="8519760" cy="2655000"/>
           </a:xfrm>
           <a:prstGeom prst="rect">
             <a:avLst/>
@@ -1960,7 +1977,7 @@
       </p:grpSpPr>
       <p:sp>
         <p:nvSpPr>
-          <p:cNvPr id="12" name="PlaceHolder 1"/>
+          <p:cNvPr id="11" name="PlaceHolder 1"/>
           <p:cNvSpPr>
             <a:spLocks noGrp="1"/>
           </p:cNvSpPr>
@@ -1970,8 +1987,8 @@
         </p:nvSpPr>
         <p:spPr>
           <a:xfrm>
-            <a:off x="311760" y="444960"/>
-            <a:ext cx="8520120" cy="572760"/>
+            <a:off x="311760" y="417960"/>
+            <a:ext cx="8519760" cy="626760"/>
           </a:xfrm>
           <a:prstGeom prst="rect">
             <a:avLst/>
@@ -1980,13 +1997,14 @@
         <p:txBody>
           <a:bodyPr lIns="0" rIns="0" tIns="0" bIns="0" anchor="ctr"/>
           <a:p>
-            <a:endParaRPr/>
-          </a:p>
-        </p:txBody>
-      </p:sp>
-      <p:sp>
-        <p:nvSpPr>
-          <p:cNvPr id="13" name="PlaceHolder 2"/>
+            <a:pPr algn="ctr"/>
+            <a:endParaRPr/>
+          </a:p>
+        </p:txBody>
+      </p:sp>
+      <p:sp>
+        <p:nvSpPr>
+          <p:cNvPr id="12" name="PlaceHolder 2"/>
           <p:cNvSpPr>
             <a:spLocks noGrp="1"/>
           </p:cNvSpPr>
@@ -1997,7 +2015,7 @@
         <p:spPr>
           <a:xfrm>
             <a:off x="311760" y="1152360"/>
-            <a:ext cx="4157640" cy="1629360"/>
+            <a:ext cx="4157280" cy="1629000"/>
           </a:xfrm>
           <a:prstGeom prst="rect">
             <a:avLst/>
@@ -2012,7 +2030,7 @@
       </p:sp>
       <p:sp>
         <p:nvSpPr>
-          <p:cNvPr id="14" name="PlaceHolder 3"/>
+          <p:cNvPr id="13" name="PlaceHolder 3"/>
           <p:cNvSpPr>
             <a:spLocks noGrp="1"/>
           </p:cNvSpPr>
@@ -2022,8 +2040,8 @@
         </p:nvSpPr>
         <p:spPr>
           <a:xfrm>
-            <a:off x="311760" y="2936880"/>
-            <a:ext cx="4157640" cy="1629360"/>
+            <a:off x="311760" y="2936520"/>
+            <a:ext cx="4157280" cy="1629000"/>
           </a:xfrm>
           <a:prstGeom prst="rect">
             <a:avLst/>
@@ -2038,7 +2056,7 @@
       </p:sp>
       <p:sp>
         <p:nvSpPr>
-          <p:cNvPr id="15" name="PlaceHolder 4"/>
+          <p:cNvPr id="14" name="PlaceHolder 4"/>
           <p:cNvSpPr>
             <a:spLocks noGrp="1"/>
           </p:cNvSpPr>
@@ -2048,8 +2066,8 @@
         </p:nvSpPr>
         <p:spPr>
           <a:xfrm>
-            <a:off x="4677840" y="1152360"/>
-            <a:ext cx="4157640" cy="3416040"/>
+            <a:off x="4677120" y="1152360"/>
+            <a:ext cx="4157280" cy="3415680"/>
           </a:xfrm>
           <a:prstGeom prst="rect">
             <a:avLst/>
@@ -2086,7 +2104,7 @@
       </p:grpSpPr>
       <p:sp>
         <p:nvSpPr>
-          <p:cNvPr id="16" name="PlaceHolder 1"/>
+          <p:cNvPr id="15" name="PlaceHolder 1"/>
           <p:cNvSpPr>
             <a:spLocks noGrp="1"/>
           </p:cNvSpPr>
@@ -2096,8 +2114,8 @@
         </p:nvSpPr>
         <p:spPr>
           <a:xfrm>
-            <a:off x="311760" y="444960"/>
-            <a:ext cx="8520120" cy="572760"/>
+            <a:off x="311760" y="417960"/>
+            <a:ext cx="8519760" cy="626760"/>
           </a:xfrm>
           <a:prstGeom prst="rect">
             <a:avLst/>
@@ -2106,13 +2124,14 @@
         <p:txBody>
           <a:bodyPr lIns="0" rIns="0" tIns="0" bIns="0" anchor="ctr"/>
           <a:p>
-            <a:endParaRPr/>
-          </a:p>
-        </p:txBody>
-      </p:sp>
-      <p:sp>
-        <p:nvSpPr>
-          <p:cNvPr id="17" name="PlaceHolder 2"/>
+            <a:pPr algn="ctr"/>
+            <a:endParaRPr/>
+          </a:p>
+        </p:txBody>
+      </p:sp>
+      <p:sp>
+        <p:nvSpPr>
+          <p:cNvPr id="16" name="PlaceHolder 2"/>
           <p:cNvSpPr>
             <a:spLocks noGrp="1"/>
           </p:cNvSpPr>
@@ -2123,7 +2142,7 @@
         <p:spPr>
           <a:xfrm>
             <a:off x="311760" y="1152360"/>
-            <a:ext cx="4157640" cy="3416040"/>
+            <a:ext cx="4157280" cy="3415680"/>
           </a:xfrm>
           <a:prstGeom prst="rect">
             <a:avLst/>
@@ -2138,7 +2157,7 @@
       </p:sp>
       <p:sp>
         <p:nvSpPr>
-          <p:cNvPr id="18" name="PlaceHolder 3"/>
+          <p:cNvPr id="17" name="PlaceHolder 3"/>
           <p:cNvSpPr>
             <a:spLocks noGrp="1"/>
           </p:cNvSpPr>
@@ -2148,8 +2167,8 @@
         </p:nvSpPr>
         <p:spPr>
           <a:xfrm>
-            <a:off x="4677840" y="1152360"/>
-            <a:ext cx="4157640" cy="1629360"/>
+            <a:off x="4677120" y="1152360"/>
+            <a:ext cx="4157280" cy="1629000"/>
           </a:xfrm>
           <a:prstGeom prst="rect">
             <a:avLst/>
@@ -2164,7 +2183,7 @@
       </p:sp>
       <p:sp>
         <p:nvSpPr>
-          <p:cNvPr id="19" name="PlaceHolder 4"/>
+          <p:cNvPr id="18" name="PlaceHolder 4"/>
           <p:cNvSpPr>
             <a:spLocks noGrp="1"/>
           </p:cNvSpPr>
@@ -2174,8 +2193,8 @@
         </p:nvSpPr>
         <p:spPr>
           <a:xfrm>
-            <a:off x="4677840" y="2936880"/>
-            <a:ext cx="4157640" cy="1629360"/>
+            <a:off x="4677120" y="2936520"/>
+            <a:ext cx="4157280" cy="1629000"/>
           </a:xfrm>
           <a:prstGeom prst="rect">
             <a:avLst/>
@@ -2212,7 +2231,7 @@
       </p:grpSpPr>
       <p:sp>
         <p:nvSpPr>
-          <p:cNvPr id="20" name="PlaceHolder 1"/>
+          <p:cNvPr id="19" name="PlaceHolder 1"/>
           <p:cNvSpPr>
             <a:spLocks noGrp="1"/>
           </p:cNvSpPr>
@@ -2222,8 +2241,8 @@
         </p:nvSpPr>
         <p:spPr>
           <a:xfrm>
-            <a:off x="311760" y="444960"/>
-            <a:ext cx="8520120" cy="572760"/>
+            <a:off x="311760" y="417960"/>
+            <a:ext cx="8519760" cy="626760"/>
           </a:xfrm>
           <a:prstGeom prst="rect">
             <a:avLst/>
@@ -2232,13 +2251,14 @@
         <p:txBody>
           <a:bodyPr lIns="0" rIns="0" tIns="0" bIns="0" anchor="ctr"/>
           <a:p>
-            <a:endParaRPr/>
-          </a:p>
-        </p:txBody>
-      </p:sp>
-      <p:sp>
-        <p:nvSpPr>
-          <p:cNvPr id="21" name="PlaceHolder 2"/>
+            <a:pPr algn="ctr"/>
+            <a:endParaRPr/>
+          </a:p>
+        </p:txBody>
+      </p:sp>
+      <p:sp>
+        <p:nvSpPr>
+          <p:cNvPr id="20" name="PlaceHolder 2"/>
           <p:cNvSpPr>
             <a:spLocks noGrp="1"/>
           </p:cNvSpPr>
@@ -2249,7 +2269,7 @@
         <p:spPr>
           <a:xfrm>
             <a:off x="311760" y="1152360"/>
-            <a:ext cx="4157640" cy="1629360"/>
+            <a:ext cx="4157280" cy="1629000"/>
           </a:xfrm>
           <a:prstGeom prst="rect">
             <a:avLst/>
@@ -2264,7 +2284,7 @@
       </p:sp>
       <p:sp>
         <p:nvSpPr>
-          <p:cNvPr id="22" name="PlaceHolder 3"/>
+          <p:cNvPr id="21" name="PlaceHolder 3"/>
           <p:cNvSpPr>
             <a:spLocks noGrp="1"/>
           </p:cNvSpPr>
@@ -2274,8 +2294,8 @@
         </p:nvSpPr>
         <p:spPr>
           <a:xfrm>
-            <a:off x="4677840" y="1152360"/>
-            <a:ext cx="4157640" cy="1629360"/>
+            <a:off x="4677120" y="1152360"/>
+            <a:ext cx="4157280" cy="1629000"/>
           </a:xfrm>
           <a:prstGeom prst="rect">
             <a:avLst/>
@@ -2290,7 +2310,7 @@
       </p:sp>
       <p:sp>
         <p:nvSpPr>
-          <p:cNvPr id="23" name="PlaceHolder 4"/>
+          <p:cNvPr id="22" name="PlaceHolder 4"/>
           <p:cNvSpPr>
             <a:spLocks noGrp="1"/>
           </p:cNvSpPr>
@@ -2300,8 +2320,8 @@
         </p:nvSpPr>
         <p:spPr>
           <a:xfrm>
-            <a:off x="311760" y="2936880"/>
-            <a:ext cx="8520120" cy="1629360"/>
+            <a:off x="311760" y="2936520"/>
+            <a:ext cx="8519760" cy="1629000"/>
           </a:xfrm>
           <a:prstGeom prst="rect">
             <a:avLst/>
@@ -2355,18 +2375,18 @@
         </p:nvSpPr>
         <p:spPr>
           <a:xfrm>
-            <a:off x="311760" y="744480"/>
-            <a:ext cx="8520120" cy="2052360"/>
-          </a:xfrm>
-          <a:prstGeom prst="rect">
-            <a:avLst/>
-          </a:prstGeom>
-        </p:spPr>
-        <p:txBody>
-          <a:bodyPr tIns="91440" bIns="91440" anchor="b"/>
-          <a:p>
-            <a:r>
-              <a:rPr lang="en-US" sz="5200">
+            <a:off x="311760" y="444960"/>
+            <a:ext cx="8519760" cy="572400"/>
+          </a:xfrm>
+          <a:prstGeom prst="rect">
+            <a:avLst/>
+          </a:prstGeom>
+        </p:spPr>
+        <p:txBody>
+          <a:bodyPr lIns="0" rIns="0" tIns="0" bIns="0" anchor="ctr"/>
+          <a:p>
+            <a:r>
+              <a:rPr lang="en-US">
                 <a:latin typeface="Arial"/>
               </a:rPr>
               <a:t>Click to edit the title text format</a:t>
@@ -2378,47 +2398,6 @@
       <p:sp>
         <p:nvSpPr>
           <p:cNvPr id="1" name="PlaceHolder 2"/>
-          <p:cNvSpPr>
-            <a:spLocks noGrp="1"/>
-          </p:cNvSpPr>
-          <p:nvPr>
-            <p:ph type="sldNum"/>
-          </p:nvPr>
-        </p:nvSpPr>
-        <p:spPr>
-          <a:xfrm>
-            <a:off x="8472600" y="4663080"/>
-            <a:ext cx="548280" cy="393120"/>
-          </a:xfrm>
-          <a:prstGeom prst="rect">
-            <a:avLst/>
-          </a:prstGeom>
-        </p:spPr>
-        <p:txBody>
-          <a:bodyPr tIns="91440" bIns="91440" anchor="ctr"/>
-          <a:p>
-            <a:pPr>
-              <a:lnSpc>
-                <a:spcPct val="100000"/>
-              </a:lnSpc>
-            </a:pPr>
-            <a:fld id="{D8078427-CAFF-44F9-86A0-3AABD36F24F8}" type="slidenum">
-              <a:rPr lang="en-US" sz="1400">
-                <a:solidFill>
-                  <a:srgbClr val="000000"/>
-                </a:solidFill>
-                <a:latin typeface="Arial"/>
-                <a:ea typeface="Arial"/>
-              </a:rPr>
-              <a:t>&lt;number&gt;</a:t>
-            </a:fld>
-            <a:endParaRPr/>
-          </a:p>
-        </p:txBody>
-      </p:sp>
-      <p:sp>
-        <p:nvSpPr>
-          <p:cNvPr id="2" name="PlaceHolder 3"/>
           <p:cNvSpPr>
             <a:spLocks noGrp="1"/>
           </p:cNvSpPr>
@@ -2444,7 +2423,7 @@
               <a:buChar char=""/>
             </a:pPr>
             <a:r>
-              <a:rPr lang="en-US" sz="1400">
+              <a:rPr lang="en-US" sz="3200">
                 <a:latin typeface="Arial"/>
               </a:rPr>
               <a:t>Click to edit the outline text format</a:t>
@@ -2458,7 +2437,7 @@
               <a:buChar char=""/>
             </a:pPr>
             <a:r>
-              <a:rPr lang="en-US" sz="1400">
+              <a:rPr lang="en-US" sz="2800">
                 <a:latin typeface="Arial"/>
               </a:rPr>
               <a:t>Second Outline Level</a:t>
@@ -2472,7 +2451,7 @@
               <a:buChar char=""/>
             </a:pPr>
             <a:r>
-              <a:rPr lang="en-US" sz="1400">
+              <a:rPr lang="en-US" sz="2400">
                 <a:latin typeface="Arial"/>
               </a:rPr>
               <a:t>Third Outline Level</a:t>
@@ -2486,7 +2465,7 @@
               <a:buChar char=""/>
             </a:pPr>
             <a:r>
-              <a:rPr lang="en-US" sz="1400">
+              <a:rPr lang="en-US" sz="2000">
                 <a:latin typeface="Arial"/>
               </a:rPr>
               <a:t>Fourth Outline Level</a:t>
@@ -2583,7 +2562,7 @@
       </p:grpSpPr>
       <p:sp>
         <p:nvSpPr>
-          <p:cNvPr id="37" name="PlaceHolder 1"/>
+          <p:cNvPr id="36" name="PlaceHolder 1"/>
           <p:cNvSpPr>
             <a:spLocks noGrp="1"/>
           </p:cNvSpPr>
@@ -2594,17 +2573,17 @@
         <p:spPr>
           <a:xfrm>
             <a:off x="311760" y="444960"/>
-            <a:ext cx="8520120" cy="572400"/>
-          </a:xfrm>
-          <a:prstGeom prst="rect">
-            <a:avLst/>
-          </a:prstGeom>
-        </p:spPr>
-        <p:txBody>
-          <a:bodyPr tIns="91440" bIns="91440"/>
-          <a:p>
-            <a:r>
-              <a:rPr lang="en-US" sz="2800">
+            <a:ext cx="8519760" cy="572400"/>
+          </a:xfrm>
+          <a:prstGeom prst="rect">
+            <a:avLst/>
+          </a:prstGeom>
+        </p:spPr>
+        <p:txBody>
+          <a:bodyPr lIns="0" rIns="0" tIns="0" bIns="0" anchor="ctr"/>
+          <a:p>
+            <a:r>
+              <a:rPr lang="en-US">
                 <a:latin typeface="Arial"/>
               </a:rPr>
               <a:t>Click to edit the title text format</a:t>
@@ -2615,7 +2594,7 @@
       </p:sp>
       <p:sp>
         <p:nvSpPr>
-          <p:cNvPr id="38" name="PlaceHolder 2"/>
+          <p:cNvPr id="37" name="PlaceHolder 2"/>
           <p:cNvSpPr>
             <a:spLocks noGrp="1"/>
           </p:cNvSpPr>
@@ -2626,14 +2605,14 @@
         <p:spPr>
           <a:xfrm>
             <a:off x="311760" y="1152360"/>
-            <a:ext cx="8520120" cy="3416040"/>
-          </a:xfrm>
-          <a:prstGeom prst="rect">
-            <a:avLst/>
-          </a:prstGeom>
-        </p:spPr>
-        <p:txBody>
-          <a:bodyPr tIns="91440" bIns="91440"/>
+            <a:ext cx="8519760" cy="3415680"/>
+          </a:xfrm>
+          <a:prstGeom prst="rect">
+            <a:avLst/>
+          </a:prstGeom>
+        </p:spPr>
+        <p:txBody>
+          <a:bodyPr lIns="0" rIns="0" tIns="0" bIns="0"/>
           <a:p>
             <a:pPr>
               <a:buSzPct val="45000"/>
@@ -2730,47 +2709,6 @@
               </a:rPr>
               <a:t>Seventh Outline Level</a:t>
             </a:r>
-            <a:endParaRPr/>
-          </a:p>
-        </p:txBody>
-      </p:sp>
-      <p:sp>
-        <p:nvSpPr>
-          <p:cNvPr id="39" name="PlaceHolder 3"/>
-          <p:cNvSpPr>
-            <a:spLocks noGrp="1"/>
-          </p:cNvSpPr>
-          <p:nvPr>
-            <p:ph type="sldNum"/>
-          </p:nvPr>
-        </p:nvSpPr>
-        <p:spPr>
-          <a:xfrm>
-            <a:off x="8472600" y="4663080"/>
-            <a:ext cx="548280" cy="393120"/>
-          </a:xfrm>
-          <a:prstGeom prst="rect">
-            <a:avLst/>
-          </a:prstGeom>
-        </p:spPr>
-        <p:txBody>
-          <a:bodyPr tIns="91440" bIns="91440" anchor="ctr"/>
-          <a:p>
-            <a:pPr>
-              <a:lnSpc>
-                <a:spcPct val="100000"/>
-              </a:lnSpc>
-            </a:pPr>
-            <a:fld id="{DE3AECDF-F450-4BD0-AE9D-31BD9182214A}" type="slidenum">
-              <a:rPr lang="en-US" sz="1400">
-                <a:solidFill>
-                  <a:srgbClr val="000000"/>
-                </a:solidFill>
-                <a:latin typeface="Arial"/>
-                <a:ea typeface="Arial"/>
-              </a:rPr>
-              <a:t>&lt;number&gt;</a:t>
-            </a:fld>
             <a:endParaRPr/>
           </a:p>
         </p:txBody>
@@ -2814,21 +2752,25 @@
       </p:grpSpPr>
       <p:sp>
         <p:nvSpPr>
-          <p:cNvPr id="74" name="TextShape 1"/>
-          <p:cNvSpPr txBox="1"/>
-          <p:nvPr/>
-        </p:nvSpPr>
-        <p:spPr>
-          <a:xfrm>
-            <a:off x="311760" y="744480"/>
-            <a:ext cx="8520120" cy="2052360"/>
-          </a:xfrm>
-          <a:prstGeom prst="rect">
-            <a:avLst/>
-          </a:prstGeom>
-        </p:spPr>
-        <p:txBody>
-          <a:bodyPr tIns="91440" bIns="91440" anchor="b"/>
+          <p:cNvPr id="72" name="CustomShape 1"/>
+          <p:cNvSpPr/>
+          <p:nvPr/>
+        </p:nvSpPr>
+        <p:spPr>
+          <a:xfrm>
+            <a:off x="311760" y="2040480"/>
+            <a:ext cx="8519760" cy="2052000"/>
+          </a:xfrm>
+          <a:prstGeom prst="rect">
+            <a:avLst/>
+          </a:prstGeom>
+          <a:noFill/>
+          <a:ln>
+            <a:noFill/>
+          </a:ln>
+        </p:spPr>
+        <p:txBody>
+          <a:bodyPr lIns="90000" rIns="90000" tIns="91440" bIns="91440" anchor="b"/>
           <a:p>
             <a:pPr>
               <a:lnSpc>
@@ -2836,6 +2778,24 @@
               </a:lnSpc>
             </a:pPr>
             <a:r>
+              <a:rPr lang="en-US" sz="2400">
+                <a:solidFill>
+                  <a:srgbClr val="000000"/>
+                </a:solidFill>
+                <a:latin typeface="Arial"/>
+                <a:ea typeface="Arial"/>
+              </a:rPr>
+              <a:t>Quick introduction to</a:t>
+            </a:r>
+            <a:endParaRPr/>
+          </a:p>
+          <a:p>
+            <a:pPr>
+              <a:lnSpc>
+                <a:spcPct val="100000"/>
+              </a:lnSpc>
+            </a:pPr>
+            <a:r>
               <a:rPr lang="en-US" sz="5200">
                 <a:solidFill>
                   <a:srgbClr val="000000"/>
@@ -2843,34 +2803,93 @@
                 <a:latin typeface="Arial"/>
                 <a:ea typeface="Arial"/>
               </a:rPr>
-              <a:t>Github Desktop</a:t>
-            </a:r>
-            <a:endParaRPr/>
-          </a:p>
-        </p:txBody>
-      </p:sp>
-      <p:sp>
-        <p:nvSpPr>
-          <p:cNvPr id="75" name="TextShape 2"/>
-          <p:cNvSpPr txBox="1"/>
+              <a:t>GitHub Desktop</a:t>
+            </a:r>
+            <a:endParaRPr/>
+          </a:p>
+          <a:p>
+            <a:pPr>
+              <a:lnSpc>
+                <a:spcPct val="100000"/>
+              </a:lnSpc>
+            </a:pPr>
+            <a:endParaRPr/>
+          </a:p>
+          <a:p>
+            <a:pPr algn="r">
+              <a:lnSpc>
+                <a:spcPct val="100000"/>
+              </a:lnSpc>
+            </a:pPr>
+            <a:r>
+              <a:rPr lang="en-US" sz="3600">
+                <a:solidFill>
+                  <a:srgbClr val="000000"/>
+                </a:solidFill>
+                <a:latin typeface="Arial"/>
+                <a:ea typeface="Arial"/>
+              </a:rPr>
+              <a:t>Laura Manuel</a:t>
+            </a:r>
+            <a:endParaRPr/>
+          </a:p>
+          <a:p>
+            <a:pPr algn="r">
+              <a:lnSpc>
+                <a:spcPct val="100000"/>
+              </a:lnSpc>
+            </a:pPr>
+            <a:r>
+              <a:rPr lang="en-US" sz="2800">
+                <a:solidFill>
+                  <a:srgbClr val="000000"/>
+                </a:solidFill>
+                <a:latin typeface="Arial"/>
+                <a:ea typeface="Arial"/>
+              </a:rPr>
+              <a:t>Software Engineer</a:t>
+            </a:r>
+            <a:endParaRPr/>
+          </a:p>
+          <a:p>
+            <a:pPr algn="r">
+              <a:lnSpc>
+                <a:spcPct val="100000"/>
+              </a:lnSpc>
+            </a:pPr>
+            <a:r>
+              <a:rPr lang="en-US" sz="2800">
+                <a:solidFill>
+                  <a:srgbClr val="000000"/>
+                </a:solidFill>
+                <a:latin typeface="Arial"/>
+                <a:ea typeface="Arial"/>
+              </a:rPr>
+              <a:t>Clinical Informatics Research Division</a:t>
+            </a:r>
+            <a:endParaRPr/>
+          </a:p>
+        </p:txBody>
+      </p:sp>
+      <p:sp>
+        <p:nvSpPr>
+          <p:cNvPr id="73" name="CustomShape 2"/>
+          <p:cNvSpPr/>
           <p:nvPr/>
         </p:nvSpPr>
         <p:spPr>
           <a:xfrm>
             <a:off x="311760" y="2834280"/>
-            <a:ext cx="8520120" cy="792360"/>
-          </a:xfrm>
-          <a:prstGeom prst="rect">
-            <a:avLst/>
-          </a:prstGeom>
-        </p:spPr>
-        <p:txBody>
-          <a:bodyPr tIns="91440" bIns="91440"/>
-          <a:p>
-            <a:pPr algn="ctr"/>
-            <a:endParaRPr/>
-          </a:p>
-        </p:txBody>
+            <a:ext cx="8519760" cy="792000"/>
+          </a:xfrm>
+          <a:prstGeom prst="rect">
+            <a:avLst/>
+          </a:prstGeom>
+          <a:noFill/>
+          <a:ln>
+            <a:noFill/>
+          </a:ln>
+        </p:spPr>
       </p:sp>
     </p:spTree>
   </p:cSld>
@@ -2923,21 +2942,25 @@
       </p:grpSpPr>
       <p:sp>
         <p:nvSpPr>
-          <p:cNvPr id="131" name="TextShape 1"/>
-          <p:cNvSpPr txBox="1"/>
+          <p:cNvPr id="129" name="CustomShape 1"/>
+          <p:cNvSpPr/>
           <p:nvPr/>
         </p:nvSpPr>
         <p:spPr>
           <a:xfrm>
             <a:off x="311760" y="444960"/>
-            <a:ext cx="8520120" cy="572400"/>
-          </a:xfrm>
-          <a:prstGeom prst="rect">
-            <a:avLst/>
-          </a:prstGeom>
-        </p:spPr>
-        <p:txBody>
-          <a:bodyPr tIns="91440" bIns="91440"/>
+            <a:ext cx="8519760" cy="572040"/>
+          </a:xfrm>
+          <a:prstGeom prst="rect">
+            <a:avLst/>
+          </a:prstGeom>
+          <a:noFill/>
+          <a:ln>
+            <a:noFill/>
+          </a:ln>
+        </p:spPr>
+        <p:txBody>
+          <a:bodyPr lIns="90000" rIns="90000" tIns="91440" bIns="91440"/>
           <a:p>
             <a:pPr>
               <a:lnSpc>
@@ -2960,21 +2983,25 @@
       </p:sp>
       <p:sp>
         <p:nvSpPr>
-          <p:cNvPr id="132" name="TextShape 2"/>
-          <p:cNvSpPr txBox="1"/>
+          <p:cNvPr id="130" name="CustomShape 2"/>
+          <p:cNvSpPr/>
           <p:nvPr/>
         </p:nvSpPr>
         <p:spPr>
           <a:xfrm>
             <a:off x="4948560" y="1152360"/>
-            <a:ext cx="3883320" cy="3416040"/>
-          </a:xfrm>
-          <a:prstGeom prst="rect">
-            <a:avLst/>
-          </a:prstGeom>
-        </p:spPr>
-        <p:txBody>
-          <a:bodyPr tIns="91440" bIns="91440"/>
+            <a:ext cx="3882960" cy="3415680"/>
+          </a:xfrm>
+          <a:prstGeom prst="rect">
+            <a:avLst/>
+          </a:prstGeom>
+          <a:noFill/>
+          <a:ln>
+            <a:noFill/>
+          </a:ln>
+        </p:spPr>
+        <p:txBody>
+          <a:bodyPr lIns="90000" rIns="90000" tIns="91440" bIns="91440"/>
           <a:p>
             <a:pPr>
               <a:lnSpc>
@@ -2997,7 +3024,7 @@
       </p:sp>
       <p:pic>
         <p:nvPicPr>
-          <p:cNvPr id="133" name="Shape 150" descr=""/>
+          <p:cNvPr id="131" name="Shape 150" descr=""/>
           <p:cNvPicPr/>
           <p:nvPr/>
         </p:nvPicPr>
@@ -3010,7 +3037,7 @@
         <p:spPr>
           <a:xfrm>
             <a:off x="311760" y="1440000"/>
-            <a:ext cx="3123720" cy="1285560"/>
+            <a:ext cx="3123360" cy="1285200"/>
           </a:xfrm>
           <a:prstGeom prst="rect">
             <a:avLst/>
@@ -3022,14 +3049,14 @@
       </p:pic>
       <p:sp>
         <p:nvSpPr>
-          <p:cNvPr id="134" name="CustomShape 3"/>
+          <p:cNvPr id="132" name="CustomShape 3"/>
           <p:cNvSpPr/>
           <p:nvPr/>
         </p:nvSpPr>
         <p:spPr>
           <a:xfrm>
             <a:off x="371520" y="1770120"/>
-            <a:ext cx="2014200" cy="429840"/>
+            <a:ext cx="2013840" cy="429480"/>
           </a:xfrm>
           <a:prstGeom prst="rect">
             <a:avLst/>
@@ -3094,21 +3121,25 @@
       </p:grpSpPr>
       <p:sp>
         <p:nvSpPr>
-          <p:cNvPr id="135" name="TextShape 1"/>
-          <p:cNvSpPr txBox="1"/>
+          <p:cNvPr id="133" name="CustomShape 1"/>
+          <p:cNvSpPr/>
           <p:nvPr/>
         </p:nvSpPr>
         <p:spPr>
           <a:xfrm>
             <a:off x="311760" y="444960"/>
-            <a:ext cx="8520120" cy="572400"/>
-          </a:xfrm>
-          <a:prstGeom prst="rect">
-            <a:avLst/>
-          </a:prstGeom>
-        </p:spPr>
-        <p:txBody>
-          <a:bodyPr tIns="91440" bIns="91440"/>
+            <a:ext cx="8519760" cy="572040"/>
+          </a:xfrm>
+          <a:prstGeom prst="rect">
+            <a:avLst/>
+          </a:prstGeom>
+          <a:noFill/>
+          <a:ln>
+            <a:noFill/>
+          </a:ln>
+        </p:spPr>
+        <p:txBody>
+          <a:bodyPr lIns="90000" rIns="90000" tIns="91440" bIns="91440"/>
           <a:p>
             <a:pPr>
               <a:lnSpc>
@@ -3131,21 +3162,25 @@
       </p:sp>
       <p:sp>
         <p:nvSpPr>
-          <p:cNvPr id="136" name="TextShape 2"/>
-          <p:cNvSpPr txBox="1"/>
+          <p:cNvPr id="134" name="CustomShape 2"/>
+          <p:cNvSpPr/>
           <p:nvPr/>
         </p:nvSpPr>
         <p:spPr>
           <a:xfrm>
             <a:off x="311760" y="1152360"/>
-            <a:ext cx="8520120" cy="3416040"/>
-          </a:xfrm>
-          <a:prstGeom prst="rect">
-            <a:avLst/>
-          </a:prstGeom>
-        </p:spPr>
-        <p:txBody>
-          <a:bodyPr tIns="91440" bIns="91440"/>
+            <a:ext cx="8519760" cy="3415680"/>
+          </a:xfrm>
+          <a:prstGeom prst="rect">
+            <a:avLst/>
+          </a:prstGeom>
+          <a:noFill/>
+          <a:ln>
+            <a:noFill/>
+          </a:ln>
+        </p:spPr>
+        <p:txBody>
+          <a:bodyPr lIns="90000" rIns="90000" tIns="91440" bIns="91440"/>
           <a:p>
             <a:pPr>
               <a:lnSpc>
@@ -3235,21 +3270,25 @@
       </p:grpSpPr>
       <p:sp>
         <p:nvSpPr>
-          <p:cNvPr id="76" name="TextShape 1"/>
-          <p:cNvSpPr txBox="1"/>
+          <p:cNvPr id="74" name="CustomShape 1"/>
+          <p:cNvSpPr/>
           <p:nvPr/>
         </p:nvSpPr>
         <p:spPr>
           <a:xfrm>
             <a:off x="311760" y="444960"/>
-            <a:ext cx="8520120" cy="572400"/>
-          </a:xfrm>
-          <a:prstGeom prst="rect">
-            <a:avLst/>
-          </a:prstGeom>
-        </p:spPr>
-        <p:txBody>
-          <a:bodyPr tIns="91440" bIns="91440"/>
+            <a:ext cx="8519760" cy="572040"/>
+          </a:xfrm>
+          <a:prstGeom prst="rect">
+            <a:avLst/>
+          </a:prstGeom>
+          <a:noFill/>
+          <a:ln>
+            <a:noFill/>
+          </a:ln>
+        </p:spPr>
+        <p:txBody>
+          <a:bodyPr lIns="90000" rIns="90000" tIns="91440" bIns="91440"/>
           <a:p>
             <a:pPr>
               <a:lnSpc>
@@ -3272,21 +3311,25 @@
       </p:sp>
       <p:sp>
         <p:nvSpPr>
-          <p:cNvPr id="77" name="TextShape 2"/>
-          <p:cNvSpPr txBox="1"/>
+          <p:cNvPr id="75" name="CustomShape 2"/>
+          <p:cNvSpPr/>
           <p:nvPr/>
         </p:nvSpPr>
         <p:spPr>
           <a:xfrm>
             <a:off x="311760" y="1152360"/>
-            <a:ext cx="8520120" cy="3416040"/>
-          </a:xfrm>
-          <a:prstGeom prst="rect">
-            <a:avLst/>
-          </a:prstGeom>
-        </p:spPr>
-        <p:txBody>
-          <a:bodyPr tIns="91440" bIns="91440"/>
+            <a:ext cx="8519760" cy="3415680"/>
+          </a:xfrm>
+          <a:prstGeom prst="rect">
+            <a:avLst/>
+          </a:prstGeom>
+          <a:noFill/>
+          <a:ln>
+            <a:noFill/>
+          </a:ln>
+        </p:spPr>
+        <p:txBody>
+          <a:bodyPr lIns="90000" rIns="90000" tIns="91440" bIns="91440"/>
           <a:p>
             <a:pPr>
               <a:lnSpc>
@@ -3386,7 +3429,7 @@
       </p:grpSpPr>
       <p:pic>
         <p:nvPicPr>
-          <p:cNvPr id="78" name="Shape 66" descr=""/>
+          <p:cNvPr id="76" name="Shape 66" descr=""/>
           <p:cNvPicPr/>
           <p:nvPr/>
         </p:nvPicPr>
@@ -3399,7 +3442,7 @@
         <p:spPr>
           <a:xfrm>
             <a:off x="1230840" y="500040"/>
-            <a:ext cx="6476760" cy="4143240"/>
+            <a:ext cx="6476400" cy="4142880"/>
           </a:xfrm>
           <a:prstGeom prst="rect">
             <a:avLst/>
@@ -3411,14 +3454,14 @@
       </p:pic>
       <p:sp>
         <p:nvSpPr>
-          <p:cNvPr id="79" name="CustomShape 1"/>
+          <p:cNvPr id="77" name="CustomShape 1"/>
           <p:cNvSpPr/>
           <p:nvPr/>
         </p:nvSpPr>
         <p:spPr>
           <a:xfrm>
             <a:off x="1154160" y="1095480"/>
-            <a:ext cx="1231920" cy="312480"/>
+            <a:ext cx="1231560" cy="312120"/>
           </a:xfrm>
           <a:prstGeom prst="rect">
             <a:avLst/>
@@ -3434,14 +3477,14 @@
       </p:sp>
       <p:sp>
         <p:nvSpPr>
-          <p:cNvPr id="80" name="CustomShape 2"/>
+          <p:cNvPr id="78" name="CustomShape 2"/>
           <p:cNvSpPr/>
           <p:nvPr/>
         </p:nvSpPr>
         <p:spPr>
           <a:xfrm>
             <a:off x="1154160" y="1408320"/>
-            <a:ext cx="1231920" cy="870120"/>
+            <a:ext cx="1231560" cy="869760"/>
           </a:xfrm>
           <a:prstGeom prst="rect">
             <a:avLst/>
@@ -3457,14 +3500,14 @@
       </p:sp>
       <p:sp>
         <p:nvSpPr>
-          <p:cNvPr id="81" name="CustomShape 3"/>
+          <p:cNvPr id="79" name="CustomShape 3"/>
           <p:cNvSpPr/>
           <p:nvPr/>
         </p:nvSpPr>
         <p:spPr>
           <a:xfrm>
             <a:off x="1230840" y="860760"/>
-            <a:ext cx="1231920" cy="195120"/>
+            <a:ext cx="1231560" cy="194760"/>
           </a:xfrm>
           <a:prstGeom prst="rect">
             <a:avLst/>
@@ -3480,14 +3523,14 @@
       </p:sp>
       <p:sp>
         <p:nvSpPr>
-          <p:cNvPr id="82" name="CustomShape 4"/>
+          <p:cNvPr id="80" name="CustomShape 4"/>
           <p:cNvSpPr/>
           <p:nvPr/>
         </p:nvSpPr>
         <p:spPr>
           <a:xfrm>
             <a:off x="1230840" y="626040"/>
-            <a:ext cx="294480" cy="195120"/>
+            <a:ext cx="294120" cy="194760"/>
           </a:xfrm>
           <a:prstGeom prst="rect">
             <a:avLst/>
@@ -3503,14 +3546,14 @@
       </p:sp>
       <p:sp>
         <p:nvSpPr>
-          <p:cNvPr id="83" name="CustomShape 5"/>
+          <p:cNvPr id="81" name="CustomShape 5"/>
           <p:cNvSpPr/>
           <p:nvPr/>
         </p:nvSpPr>
         <p:spPr>
           <a:xfrm>
             <a:off x="2386440" y="626040"/>
-            <a:ext cx="234360" cy="195120"/>
+            <a:ext cx="234000" cy="194760"/>
           </a:xfrm>
           <a:prstGeom prst="rect">
             <a:avLst/>
@@ -3526,14 +3569,14 @@
       </p:sp>
       <p:sp>
         <p:nvSpPr>
-          <p:cNvPr id="84" name="CustomShape 6"/>
+          <p:cNvPr id="82" name="CustomShape 6"/>
           <p:cNvSpPr/>
           <p:nvPr/>
         </p:nvSpPr>
         <p:spPr>
           <a:xfrm>
             <a:off x="2621160" y="626040"/>
-            <a:ext cx="713520" cy="195120"/>
+            <a:ext cx="713160" cy="194760"/>
           </a:xfrm>
           <a:prstGeom prst="rect">
             <a:avLst/>
@@ -3549,14 +3592,14 @@
       </p:sp>
       <p:sp>
         <p:nvSpPr>
-          <p:cNvPr id="85" name="CustomShape 7"/>
+          <p:cNvPr id="83" name="CustomShape 7"/>
           <p:cNvSpPr/>
           <p:nvPr/>
         </p:nvSpPr>
         <p:spPr>
           <a:xfrm>
             <a:off x="4655160" y="626040"/>
-            <a:ext cx="429840" cy="195120"/>
+            <a:ext cx="429480" cy="194760"/>
           </a:xfrm>
           <a:prstGeom prst="rect">
             <a:avLst/>
@@ -3572,14 +3615,14 @@
       </p:sp>
       <p:sp>
         <p:nvSpPr>
-          <p:cNvPr id="86" name="CustomShape 8"/>
+          <p:cNvPr id="84" name="CustomShape 8"/>
           <p:cNvSpPr/>
           <p:nvPr/>
         </p:nvSpPr>
         <p:spPr>
           <a:xfrm>
             <a:off x="5085360" y="626040"/>
-            <a:ext cx="429840" cy="195120"/>
+            <a:ext cx="429480" cy="194760"/>
           </a:xfrm>
           <a:prstGeom prst="rect">
             <a:avLst/>
@@ -3595,14 +3638,14 @@
       </p:sp>
       <p:sp>
         <p:nvSpPr>
-          <p:cNvPr id="87" name="CustomShape 9"/>
+          <p:cNvPr id="85" name="CustomShape 9"/>
           <p:cNvSpPr/>
           <p:nvPr/>
         </p:nvSpPr>
         <p:spPr>
           <a:xfrm>
             <a:off x="107640" y="108720"/>
-            <a:ext cx="1046160" cy="555840"/>
+            <a:ext cx="1045800" cy="555480"/>
           </a:xfrm>
           <a:prstGeom prst="rect">
             <a:avLst/>
@@ -3616,7 +3659,7 @@
           </a:ln>
         </p:spPr>
         <p:txBody>
-          <a:bodyPr tIns="91440" bIns="91440"/>
+          <a:bodyPr lIns="90000" rIns="90000" tIns="91440" bIns="91440"/>
           <a:p>
             <a:pPr>
               <a:lnSpc>
@@ -3639,14 +3682,14 @@
       </p:sp>
       <p:sp>
         <p:nvSpPr>
-          <p:cNvPr id="88" name="CustomShape 10"/>
+          <p:cNvPr id="86" name="CustomShape 10"/>
           <p:cNvSpPr/>
           <p:nvPr/>
         </p:nvSpPr>
         <p:spPr>
           <a:xfrm>
             <a:off x="1154160" y="387000"/>
-            <a:ext cx="263520" cy="199440"/>
+            <a:ext cx="263160" cy="199080"/>
           </a:xfrm>
           <a:prstGeom prst="straightConnector1">
             <a:avLst/>
@@ -3663,14 +3706,14 @@
       </p:sp>
       <p:sp>
         <p:nvSpPr>
-          <p:cNvPr id="89" name="CustomShape 11"/>
+          <p:cNvPr id="87" name="CustomShape 11"/>
           <p:cNvSpPr/>
           <p:nvPr/>
         </p:nvSpPr>
         <p:spPr>
           <a:xfrm>
             <a:off x="205200" y="802080"/>
-            <a:ext cx="615960" cy="312480"/>
+            <a:ext cx="615600" cy="312120"/>
           </a:xfrm>
           <a:prstGeom prst="rect">
             <a:avLst/>
@@ -3684,7 +3727,7 @@
           </a:ln>
         </p:spPr>
         <p:txBody>
-          <a:bodyPr tIns="91440" bIns="91440"/>
+          <a:bodyPr lIns="90000" rIns="90000" tIns="91440" bIns="91440"/>
           <a:p>
             <a:pPr>
               <a:lnSpc>
@@ -3707,14 +3750,14 @@
       </p:sp>
       <p:sp>
         <p:nvSpPr>
-          <p:cNvPr id="90" name="CustomShape 12"/>
+          <p:cNvPr id="88" name="CustomShape 12"/>
           <p:cNvSpPr/>
           <p:nvPr/>
         </p:nvSpPr>
         <p:spPr>
           <a:xfrm>
             <a:off x="821520" y="914760"/>
-            <a:ext cx="408960" cy="43200"/>
+            <a:ext cx="408600" cy="42840"/>
           </a:xfrm>
           <a:prstGeom prst="straightConnector1">
             <a:avLst/>
@@ -3731,14 +3774,14 @@
       </p:sp>
       <p:sp>
         <p:nvSpPr>
-          <p:cNvPr id="91" name="CustomShape 13"/>
+          <p:cNvPr id="89" name="CustomShape 13"/>
           <p:cNvSpPr/>
           <p:nvPr/>
         </p:nvSpPr>
         <p:spPr>
           <a:xfrm>
             <a:off x="1458720" y="691920"/>
-            <a:ext cx="263520" cy="199440"/>
+            <a:ext cx="263160" cy="199080"/>
           </a:xfrm>
           <a:prstGeom prst="straightConnector1">
             <a:avLst/>
@@ -3755,14 +3798,14 @@
       </p:sp>
       <p:sp>
         <p:nvSpPr>
-          <p:cNvPr id="92" name="CustomShape 14"/>
+          <p:cNvPr id="90" name="CustomShape 14"/>
           <p:cNvSpPr/>
           <p:nvPr/>
         </p:nvSpPr>
         <p:spPr>
           <a:xfrm>
             <a:off x="48960" y="1251720"/>
-            <a:ext cx="1046160" cy="469080"/>
+            <a:ext cx="1045800" cy="468720"/>
           </a:xfrm>
           <a:prstGeom prst="rect">
             <a:avLst/>
@@ -3776,7 +3819,7 @@
           </a:ln>
         </p:spPr>
         <p:txBody>
-          <a:bodyPr tIns="91440" bIns="91440"/>
+          <a:bodyPr lIns="90000" rIns="90000" tIns="91440" bIns="91440"/>
           <a:p>
             <a:pPr>
               <a:lnSpc>
@@ -3799,14 +3842,14 @@
       </p:sp>
       <p:sp>
         <p:nvSpPr>
-          <p:cNvPr id="93" name="CustomShape 15"/>
+          <p:cNvPr id="91" name="CustomShape 15"/>
           <p:cNvSpPr/>
           <p:nvPr/>
         </p:nvSpPr>
         <p:spPr>
           <a:xfrm>
             <a:off x="48960" y="2200320"/>
-            <a:ext cx="1046160" cy="469080"/>
+            <a:ext cx="1045800" cy="468720"/>
           </a:xfrm>
           <a:prstGeom prst="rect">
             <a:avLst/>
@@ -3820,7 +3863,7 @@
           </a:ln>
         </p:spPr>
         <p:txBody>
-          <a:bodyPr tIns="91440" bIns="91440"/>
+          <a:bodyPr lIns="90000" rIns="90000" tIns="91440" bIns="91440"/>
           <a:p>
             <a:pPr>
               <a:lnSpc>
@@ -3843,14 +3886,14 @@
       </p:sp>
       <p:sp>
         <p:nvSpPr>
-          <p:cNvPr id="94" name="CustomShape 16"/>
+          <p:cNvPr id="92" name="CustomShape 16"/>
           <p:cNvSpPr/>
           <p:nvPr/>
         </p:nvSpPr>
         <p:spPr>
           <a:xfrm flipH="1" rot="10800000">
-            <a:off x="1094760" y="1291320"/>
-            <a:ext cx="68040" cy="195120"/>
+            <a:off x="1095120" y="1291680"/>
+            <a:ext cx="67680" cy="194760"/>
           </a:xfrm>
           <a:prstGeom prst="straightConnector1">
             <a:avLst/>
@@ -3867,14 +3910,14 @@
       </p:sp>
       <p:sp>
         <p:nvSpPr>
-          <p:cNvPr id="95" name="CustomShape 17"/>
+          <p:cNvPr id="93" name="CustomShape 17"/>
           <p:cNvSpPr/>
           <p:nvPr/>
         </p:nvSpPr>
         <p:spPr>
           <a:xfrm flipH="1" rot="10800000">
-            <a:off x="1095480" y="2279160"/>
-            <a:ext cx="674640" cy="155880"/>
+            <a:off x="1095120" y="2279520"/>
+            <a:ext cx="674280" cy="155520"/>
           </a:xfrm>
           <a:prstGeom prst="straightConnector1">
             <a:avLst/>
@@ -3891,14 +3934,14 @@
       </p:sp>
       <p:sp>
         <p:nvSpPr>
-          <p:cNvPr id="96" name="CustomShape 18"/>
+          <p:cNvPr id="94" name="CustomShape 18"/>
           <p:cNvSpPr/>
           <p:nvPr/>
         </p:nvSpPr>
         <p:spPr>
           <a:xfrm>
             <a:off x="2361960" y="1564560"/>
-            <a:ext cx="1794240" cy="2171160"/>
+            <a:ext cx="1793880" cy="2170800"/>
           </a:xfrm>
           <a:prstGeom prst="rect">
             <a:avLst/>
@@ -3912,7 +3955,7 @@
           </a:ln>
         </p:spPr>
         <p:txBody>
-          <a:bodyPr tIns="91440" bIns="91440" anchor="ctr"/>
+          <a:bodyPr lIns="90000" rIns="90000" tIns="91440" bIns="91440" anchor="ctr"/>
           <a:p>
             <a:pPr>
               <a:lnSpc>
@@ -3951,14 +3994,14 @@
       </p:sp>
       <p:sp>
         <p:nvSpPr>
-          <p:cNvPr id="97" name="CustomShape 19"/>
+          <p:cNvPr id="95" name="CustomShape 19"/>
           <p:cNvSpPr/>
           <p:nvPr/>
         </p:nvSpPr>
         <p:spPr>
           <a:xfrm>
             <a:off x="1247040" y="18360"/>
-            <a:ext cx="1046160" cy="469080"/>
+            <a:ext cx="1045800" cy="468720"/>
           </a:xfrm>
           <a:prstGeom prst="rect">
             <a:avLst/>
@@ -3972,7 +4015,7 @@
           </a:ln>
         </p:spPr>
         <p:txBody>
-          <a:bodyPr tIns="91440" bIns="91440"/>
+          <a:bodyPr lIns="90000" rIns="90000" tIns="91440" bIns="91440"/>
           <a:p>
             <a:pPr>
               <a:lnSpc>
@@ -3995,14 +4038,14 @@
       </p:sp>
       <p:sp>
         <p:nvSpPr>
-          <p:cNvPr id="98" name="CustomShape 20"/>
+          <p:cNvPr id="96" name="CustomShape 20"/>
           <p:cNvSpPr/>
           <p:nvPr/>
         </p:nvSpPr>
         <p:spPr>
           <a:xfrm>
             <a:off x="2293560" y="253080"/>
-            <a:ext cx="209880" cy="372240"/>
+            <a:ext cx="209520" cy="371880"/>
           </a:xfrm>
           <a:prstGeom prst="straightConnector1">
             <a:avLst/>
@@ -4019,14 +4062,14 @@
       </p:sp>
       <p:sp>
         <p:nvSpPr>
-          <p:cNvPr id="99" name="CustomShape 21"/>
+          <p:cNvPr id="97" name="CustomShape 21"/>
           <p:cNvSpPr/>
           <p:nvPr/>
         </p:nvSpPr>
         <p:spPr>
           <a:xfrm>
             <a:off x="2807640" y="0"/>
-            <a:ext cx="1046160" cy="469080"/>
+            <a:ext cx="1045800" cy="468720"/>
           </a:xfrm>
           <a:prstGeom prst="rect">
             <a:avLst/>
@@ -4040,7 +4083,7 @@
           </a:ln>
         </p:spPr>
         <p:txBody>
-          <a:bodyPr tIns="91440" bIns="91440"/>
+          <a:bodyPr lIns="90000" rIns="90000" tIns="91440" bIns="91440"/>
           <a:p>
             <a:pPr>
               <a:lnSpc>
@@ -4063,14 +4106,14 @@
       </p:sp>
       <p:sp>
         <p:nvSpPr>
-          <p:cNvPr id="100" name="CustomShape 22"/>
+          <p:cNvPr id="98" name="CustomShape 22"/>
           <p:cNvSpPr/>
           <p:nvPr/>
         </p:nvSpPr>
         <p:spPr>
           <a:xfrm flipH="1">
             <a:off x="2991600" y="469440"/>
-            <a:ext cx="338040" cy="155880"/>
+            <a:ext cx="337680" cy="155520"/>
           </a:xfrm>
           <a:prstGeom prst="straightConnector1">
             <a:avLst/>
@@ -4087,14 +4130,14 @@
       </p:sp>
       <p:sp>
         <p:nvSpPr>
-          <p:cNvPr id="101" name="CustomShape 23"/>
+          <p:cNvPr id="99" name="CustomShape 23"/>
           <p:cNvSpPr/>
           <p:nvPr/>
         </p:nvSpPr>
         <p:spPr>
           <a:xfrm>
             <a:off x="4029840" y="18360"/>
-            <a:ext cx="1524600" cy="469080"/>
+            <a:ext cx="1524240" cy="468720"/>
           </a:xfrm>
           <a:prstGeom prst="rect">
             <a:avLst/>
@@ -4108,7 +4151,7 @@
           </a:ln>
         </p:spPr>
         <p:txBody>
-          <a:bodyPr tIns="91440" bIns="91440"/>
+          <a:bodyPr lIns="90000" rIns="90000" tIns="91440" bIns="91440"/>
           <a:p>
             <a:pPr>
               <a:lnSpc>
@@ -4131,14 +4174,14 @@
       </p:sp>
       <p:sp>
         <p:nvSpPr>
-          <p:cNvPr id="102" name="CustomShape 24"/>
+          <p:cNvPr id="100" name="CustomShape 24"/>
           <p:cNvSpPr/>
           <p:nvPr/>
         </p:nvSpPr>
         <p:spPr>
           <a:xfrm>
             <a:off x="4792320" y="487800"/>
-            <a:ext cx="77400" cy="137520"/>
+            <a:ext cx="77040" cy="137160"/>
           </a:xfrm>
           <a:prstGeom prst="straightConnector1">
             <a:avLst/>
@@ -4155,14 +4198,14 @@
       </p:sp>
       <p:sp>
         <p:nvSpPr>
-          <p:cNvPr id="103" name="CustomShape 25"/>
+          <p:cNvPr id="101" name="CustomShape 25"/>
           <p:cNvSpPr/>
           <p:nvPr/>
         </p:nvSpPr>
         <p:spPr>
           <a:xfrm>
             <a:off x="5730840" y="18360"/>
-            <a:ext cx="1524600" cy="469080"/>
+            <a:ext cx="1524240" cy="468720"/>
           </a:xfrm>
           <a:prstGeom prst="rect">
             <a:avLst/>
@@ -4176,7 +4219,7 @@
           </a:ln>
         </p:spPr>
         <p:txBody>
-          <a:bodyPr tIns="91440" bIns="91440"/>
+          <a:bodyPr lIns="90000" rIns="90000" tIns="91440" bIns="91440"/>
           <a:p>
             <a:pPr>
               <a:lnSpc>
@@ -4199,14 +4242,14 @@
       </p:sp>
       <p:sp>
         <p:nvSpPr>
-          <p:cNvPr id="104" name="CustomShape 26"/>
+          <p:cNvPr id="102" name="CustomShape 26"/>
           <p:cNvSpPr/>
           <p:nvPr/>
         </p:nvSpPr>
         <p:spPr>
           <a:xfrm flipH="1">
             <a:off x="5514840" y="487800"/>
-            <a:ext cx="977400" cy="235440"/>
+            <a:ext cx="977040" cy="235080"/>
           </a:xfrm>
           <a:prstGeom prst="straightConnector1">
             <a:avLst/>
@@ -4223,14 +4266,14 @@
       </p:sp>
       <p:sp>
         <p:nvSpPr>
-          <p:cNvPr id="105" name="CustomShape 27"/>
+          <p:cNvPr id="103" name="CustomShape 27"/>
           <p:cNvSpPr/>
           <p:nvPr/>
         </p:nvSpPr>
         <p:spPr>
           <a:xfrm>
             <a:off x="7951320" y="860760"/>
-            <a:ext cx="977400" cy="555840"/>
+            <a:ext cx="977040" cy="555480"/>
           </a:xfrm>
           <a:prstGeom prst="rect">
             <a:avLst/>
@@ -4244,7 +4287,7 @@
           </a:ln>
         </p:spPr>
         <p:txBody>
-          <a:bodyPr tIns="91440" bIns="91440"/>
+          <a:bodyPr lIns="90000" rIns="90000" tIns="91440" bIns="91440"/>
           <a:p>
             <a:pPr>
               <a:lnSpc>
@@ -4267,14 +4310,14 @@
       </p:sp>
       <p:sp>
         <p:nvSpPr>
-          <p:cNvPr id="106" name="CustomShape 28"/>
+          <p:cNvPr id="104" name="CustomShape 28"/>
           <p:cNvSpPr/>
           <p:nvPr/>
         </p:nvSpPr>
         <p:spPr>
           <a:xfrm rot="10800000">
-            <a:off x="7668000" y="1017360"/>
-            <a:ext cx="283320" cy="121320"/>
+            <a:off x="7668360" y="1017720"/>
+            <a:ext cx="282960" cy="120960"/>
           </a:xfrm>
           <a:prstGeom prst="straightConnector1">
             <a:avLst/>
@@ -4340,21 +4383,25 @@
       </p:grpSpPr>
       <p:sp>
         <p:nvSpPr>
-          <p:cNvPr id="107" name="TextShape 1"/>
-          <p:cNvSpPr txBox="1"/>
+          <p:cNvPr id="105" name="CustomShape 1"/>
+          <p:cNvSpPr/>
           <p:nvPr/>
         </p:nvSpPr>
         <p:spPr>
           <a:xfrm>
             <a:off x="311760" y="171360"/>
-            <a:ext cx="8520120" cy="572400"/>
-          </a:xfrm>
-          <a:prstGeom prst="rect">
-            <a:avLst/>
-          </a:prstGeom>
-        </p:spPr>
-        <p:txBody>
-          <a:bodyPr tIns="91440" bIns="91440"/>
+            <a:ext cx="8519760" cy="572040"/>
+          </a:xfrm>
+          <a:prstGeom prst="rect">
+            <a:avLst/>
+          </a:prstGeom>
+          <a:noFill/>
+          <a:ln>
+            <a:noFill/>
+          </a:ln>
+        </p:spPr>
+        <p:txBody>
+          <a:bodyPr lIns="90000" rIns="90000" tIns="91440" bIns="91440"/>
           <a:p>
             <a:pPr>
               <a:lnSpc>
@@ -4377,7 +4424,7 @@
       </p:sp>
       <p:pic>
         <p:nvPicPr>
-          <p:cNvPr id="108" name="Shape 101" descr=""/>
+          <p:cNvPr id="106" name="Shape 101" descr=""/>
           <p:cNvPicPr/>
           <p:nvPr/>
         </p:nvPicPr>
@@ -4390,7 +4437,7 @@
         <p:spPr>
           <a:xfrm>
             <a:off x="311760" y="743760"/>
-            <a:ext cx="6085800" cy="3914280"/>
+            <a:ext cx="6085440" cy="3913920"/>
           </a:xfrm>
           <a:prstGeom prst="rect">
             <a:avLst/>
@@ -4402,14 +4449,14 @@
       </p:pic>
       <p:sp>
         <p:nvSpPr>
-          <p:cNvPr id="109" name="CustomShape 2"/>
+          <p:cNvPr id="107" name="CustomShape 2"/>
           <p:cNvSpPr/>
           <p:nvPr/>
         </p:nvSpPr>
         <p:spPr>
           <a:xfrm>
             <a:off x="6611040" y="753120"/>
-            <a:ext cx="2220840" cy="4107240"/>
+            <a:ext cx="2220480" cy="4106880"/>
           </a:xfrm>
           <a:prstGeom prst="rect">
             <a:avLst/>
@@ -4420,7 +4467,7 @@
           </a:ln>
         </p:spPr>
         <p:txBody>
-          <a:bodyPr tIns="91440" bIns="91440"/>
+          <a:bodyPr lIns="90000" rIns="90000" tIns="91440" bIns="91440"/>
           <a:p>
             <a:pPr>
               <a:lnSpc>
@@ -4594,21 +4641,25 @@
       </p:grpSpPr>
       <p:sp>
         <p:nvSpPr>
-          <p:cNvPr id="110" name="TextShape 1"/>
-          <p:cNvSpPr txBox="1"/>
+          <p:cNvPr id="108" name="CustomShape 1"/>
+          <p:cNvSpPr/>
           <p:nvPr/>
         </p:nvSpPr>
         <p:spPr>
           <a:xfrm>
             <a:off x="311760" y="151560"/>
-            <a:ext cx="8520120" cy="572400"/>
-          </a:xfrm>
-          <a:prstGeom prst="rect">
-            <a:avLst/>
-          </a:prstGeom>
-        </p:spPr>
-        <p:txBody>
-          <a:bodyPr tIns="91440" bIns="91440"/>
+            <a:ext cx="8519760" cy="572040"/>
+          </a:xfrm>
+          <a:prstGeom prst="rect">
+            <a:avLst/>
+          </a:prstGeom>
+          <a:noFill/>
+          <a:ln>
+            <a:noFill/>
+          </a:ln>
+        </p:spPr>
+        <p:txBody>
+          <a:bodyPr lIns="90000" rIns="90000" tIns="91440" bIns="91440"/>
           <a:p>
             <a:pPr>
               <a:lnSpc>
@@ -4631,21 +4682,25 @@
       </p:sp>
       <p:sp>
         <p:nvSpPr>
-          <p:cNvPr id="111" name="TextShape 2"/>
-          <p:cNvSpPr txBox="1"/>
+          <p:cNvPr id="109" name="CustomShape 2"/>
+          <p:cNvSpPr/>
           <p:nvPr/>
         </p:nvSpPr>
         <p:spPr>
           <a:xfrm>
             <a:off x="6180840" y="724320"/>
-            <a:ext cx="2651040" cy="4096800"/>
-          </a:xfrm>
-          <a:prstGeom prst="rect">
-            <a:avLst/>
-          </a:prstGeom>
-        </p:spPr>
-        <p:txBody>
-          <a:bodyPr tIns="91440" bIns="91440"/>
+            <a:ext cx="2650680" cy="4096440"/>
+          </a:xfrm>
+          <a:prstGeom prst="rect">
+            <a:avLst/>
+          </a:prstGeom>
+          <a:noFill/>
+          <a:ln>
+            <a:noFill/>
+          </a:ln>
+        </p:spPr>
+        <p:txBody>
+          <a:bodyPr lIns="90000" rIns="90000" tIns="91440" bIns="91440"/>
           <a:p>
             <a:pPr>
               <a:lnSpc>
@@ -4768,7 +4823,7 @@
       </p:sp>
       <p:pic>
         <p:nvPicPr>
-          <p:cNvPr id="112" name="Shape 109" descr=""/>
+          <p:cNvPr id="110" name="Shape 109" descr=""/>
           <p:cNvPicPr/>
           <p:nvPr/>
         </p:nvPicPr>
@@ -4781,7 +4836,7 @@
         <p:spPr>
           <a:xfrm>
             <a:off x="131760" y="854280"/>
-            <a:ext cx="5457600" cy="2104560"/>
+            <a:ext cx="5457240" cy="2104200"/>
           </a:xfrm>
           <a:prstGeom prst="rect">
             <a:avLst/>
@@ -4793,14 +4848,14 @@
       </p:pic>
       <p:sp>
         <p:nvSpPr>
-          <p:cNvPr id="113" name="CustomShape 3"/>
+          <p:cNvPr id="111" name="CustomShape 3"/>
           <p:cNvSpPr/>
           <p:nvPr/>
         </p:nvSpPr>
         <p:spPr>
           <a:xfrm>
             <a:off x="2171160" y="1026720"/>
-            <a:ext cx="322560" cy="351720"/>
+            <a:ext cx="322200" cy="351360"/>
           </a:xfrm>
           <a:prstGeom prst="rect">
             <a:avLst/>
@@ -4865,21 +4920,25 @@
       </p:grpSpPr>
       <p:sp>
         <p:nvSpPr>
-          <p:cNvPr id="114" name="TextShape 1"/>
-          <p:cNvSpPr txBox="1"/>
+          <p:cNvPr id="112" name="CustomShape 1"/>
+          <p:cNvSpPr/>
           <p:nvPr/>
         </p:nvSpPr>
         <p:spPr>
           <a:xfrm>
             <a:off x="311760" y="444960"/>
-            <a:ext cx="8520120" cy="572400"/>
-          </a:xfrm>
-          <a:prstGeom prst="rect">
-            <a:avLst/>
-          </a:prstGeom>
-        </p:spPr>
-        <p:txBody>
-          <a:bodyPr tIns="91440" bIns="91440"/>
+            <a:ext cx="8519760" cy="572040"/>
+          </a:xfrm>
+          <a:prstGeom prst="rect">
+            <a:avLst/>
+          </a:prstGeom>
+          <a:noFill/>
+          <a:ln>
+            <a:noFill/>
+          </a:ln>
+        </p:spPr>
+        <p:txBody>
+          <a:bodyPr lIns="90000" rIns="90000" tIns="91440" bIns="91440"/>
           <a:p>
             <a:pPr>
               <a:lnSpc>
@@ -4902,21 +4961,25 @@
       </p:sp>
       <p:sp>
         <p:nvSpPr>
-          <p:cNvPr id="115" name="TextShape 2"/>
-          <p:cNvSpPr txBox="1"/>
+          <p:cNvPr id="113" name="CustomShape 2"/>
+          <p:cNvSpPr/>
           <p:nvPr/>
         </p:nvSpPr>
         <p:spPr>
           <a:xfrm>
             <a:off x="5505840" y="1486440"/>
-            <a:ext cx="3326040" cy="3081960"/>
-          </a:xfrm>
-          <a:prstGeom prst="rect">
-            <a:avLst/>
-          </a:prstGeom>
-        </p:spPr>
-        <p:txBody>
-          <a:bodyPr tIns="91440" bIns="91440"/>
+            <a:ext cx="3325680" cy="3081600"/>
+          </a:xfrm>
+          <a:prstGeom prst="rect">
+            <a:avLst/>
+          </a:prstGeom>
+          <a:noFill/>
+          <a:ln>
+            <a:noFill/>
+          </a:ln>
+        </p:spPr>
+        <p:txBody>
+          <a:bodyPr lIns="90000" rIns="90000" tIns="91440" bIns="91440"/>
           <a:p>
             <a:pPr>
               <a:lnSpc>
@@ -4983,7 +5046,7 @@
       </p:sp>
       <p:pic>
         <p:nvPicPr>
-          <p:cNvPr id="116" name="Shape 117" descr=""/>
+          <p:cNvPr id="114" name="Shape 117" descr=""/>
           <p:cNvPicPr/>
           <p:nvPr/>
         </p:nvPicPr>
@@ -4996,7 +5059,7 @@
         <p:spPr>
           <a:xfrm>
             <a:off x="1015200" y="1017720"/>
-            <a:ext cx="4194720" cy="4066920"/>
+            <a:ext cx="4194360" cy="4066560"/>
           </a:xfrm>
           <a:prstGeom prst="rect">
             <a:avLst/>
@@ -5057,21 +5120,25 @@
       </p:grpSpPr>
       <p:sp>
         <p:nvSpPr>
-          <p:cNvPr id="117" name="TextShape 1"/>
-          <p:cNvSpPr txBox="1"/>
+          <p:cNvPr id="115" name="CustomShape 1"/>
+          <p:cNvSpPr/>
           <p:nvPr/>
         </p:nvSpPr>
         <p:spPr>
           <a:xfrm>
             <a:off x="311760" y="444960"/>
-            <a:ext cx="8520120" cy="572400"/>
-          </a:xfrm>
-          <a:prstGeom prst="rect">
-            <a:avLst/>
-          </a:prstGeom>
-        </p:spPr>
-        <p:txBody>
-          <a:bodyPr tIns="91440" bIns="91440"/>
+            <a:ext cx="8519760" cy="572040"/>
+          </a:xfrm>
+          <a:prstGeom prst="rect">
+            <a:avLst/>
+          </a:prstGeom>
+          <a:noFill/>
+          <a:ln>
+            <a:noFill/>
+          </a:ln>
+        </p:spPr>
+        <p:txBody>
+          <a:bodyPr lIns="90000" rIns="90000" tIns="91440" bIns="91440"/>
           <a:p>
             <a:pPr>
               <a:lnSpc>
@@ -5094,21 +5161,25 @@
       </p:sp>
       <p:sp>
         <p:nvSpPr>
-          <p:cNvPr id="118" name="TextShape 2"/>
-          <p:cNvSpPr txBox="1"/>
+          <p:cNvPr id="116" name="CustomShape 2"/>
+          <p:cNvSpPr/>
           <p:nvPr/>
         </p:nvSpPr>
         <p:spPr>
           <a:xfrm>
             <a:off x="6591600" y="635760"/>
-            <a:ext cx="2240280" cy="3933000"/>
-          </a:xfrm>
-          <a:prstGeom prst="rect">
-            <a:avLst/>
-          </a:prstGeom>
-        </p:spPr>
-        <p:txBody>
-          <a:bodyPr tIns="91440" bIns="91440"/>
+            <a:ext cx="2239920" cy="3932640"/>
+          </a:xfrm>
+          <a:prstGeom prst="rect">
+            <a:avLst/>
+          </a:prstGeom>
+          <a:noFill/>
+          <a:ln>
+            <a:noFill/>
+          </a:ln>
+        </p:spPr>
+        <p:txBody>
+          <a:bodyPr lIns="90000" rIns="90000" tIns="91440" bIns="91440"/>
           <a:p>
             <a:pPr>
               <a:lnSpc>
@@ -5193,7 +5264,7 @@
       </p:sp>
       <p:pic>
         <p:nvPicPr>
-          <p:cNvPr id="119" name="Shape 124" descr=""/>
+          <p:cNvPr id="117" name="Shape 124" descr=""/>
           <p:cNvPicPr/>
           <p:nvPr/>
         </p:nvPicPr>
@@ -5206,7 +5277,7 @@
         <p:spPr>
           <a:xfrm>
             <a:off x="234720" y="1442880"/>
-            <a:ext cx="4881600" cy="3125520"/>
+            <a:ext cx="4881240" cy="3125160"/>
           </a:xfrm>
           <a:prstGeom prst="rect">
             <a:avLst/>
@@ -5218,14 +5289,14 @@
       </p:pic>
       <p:sp>
         <p:nvSpPr>
-          <p:cNvPr id="120" name="CustomShape 3"/>
+          <p:cNvPr id="118" name="CustomShape 3"/>
           <p:cNvSpPr/>
           <p:nvPr/>
         </p:nvSpPr>
         <p:spPr>
           <a:xfrm>
             <a:off x="4371480" y="2229840"/>
-            <a:ext cx="439560" cy="224640"/>
+            <a:ext cx="439200" cy="224280"/>
           </a:xfrm>
           <a:prstGeom prst="rect">
             <a:avLst/>
@@ -5241,14 +5312,14 @@
       </p:sp>
       <p:sp>
         <p:nvSpPr>
-          <p:cNvPr id="121" name="CustomShape 4"/>
+          <p:cNvPr id="119" name="CustomShape 4"/>
           <p:cNvSpPr/>
           <p:nvPr/>
         </p:nvSpPr>
         <p:spPr>
           <a:xfrm>
             <a:off x="1120680" y="2127960"/>
-            <a:ext cx="1382760" cy="2440800"/>
+            <a:ext cx="1382400" cy="2440440"/>
           </a:xfrm>
           <a:prstGeom prst="rect">
             <a:avLst/>
@@ -5264,14 +5335,14 @@
       </p:sp>
       <p:sp>
         <p:nvSpPr>
-          <p:cNvPr id="122" name="CustomShape 5"/>
+          <p:cNvPr id="120" name="CustomShape 5"/>
           <p:cNvSpPr/>
           <p:nvPr/>
         </p:nvSpPr>
         <p:spPr>
           <a:xfrm>
             <a:off x="1120680" y="1908720"/>
-            <a:ext cx="3944880" cy="224640"/>
+            <a:ext cx="3944520" cy="224280"/>
           </a:xfrm>
           <a:prstGeom prst="rect">
             <a:avLst/>
@@ -5336,21 +5407,25 @@
       </p:grpSpPr>
       <p:sp>
         <p:nvSpPr>
-          <p:cNvPr id="123" name="TextShape 1"/>
-          <p:cNvSpPr txBox="1"/>
+          <p:cNvPr id="121" name="CustomShape 1"/>
+          <p:cNvSpPr/>
           <p:nvPr/>
         </p:nvSpPr>
         <p:spPr>
           <a:xfrm>
             <a:off x="311760" y="444960"/>
-            <a:ext cx="8520120" cy="572400"/>
-          </a:xfrm>
-          <a:prstGeom prst="rect">
-            <a:avLst/>
-          </a:prstGeom>
-        </p:spPr>
-        <p:txBody>
-          <a:bodyPr tIns="91440" bIns="91440"/>
+            <a:ext cx="8519760" cy="572040"/>
+          </a:xfrm>
+          <a:prstGeom prst="rect">
+            <a:avLst/>
+          </a:prstGeom>
+          <a:noFill/>
+          <a:ln>
+            <a:noFill/>
+          </a:ln>
+        </p:spPr>
+        <p:txBody>
+          <a:bodyPr lIns="90000" rIns="90000" tIns="91440" bIns="91440"/>
           <a:p>
             <a:pPr>
               <a:lnSpc>
@@ -5373,21 +5448,25 @@
       </p:sp>
       <p:sp>
         <p:nvSpPr>
-          <p:cNvPr id="124" name="TextShape 2"/>
-          <p:cNvSpPr txBox="1"/>
+          <p:cNvPr id="122" name="CustomShape 2"/>
+          <p:cNvSpPr/>
           <p:nvPr/>
         </p:nvSpPr>
         <p:spPr>
           <a:xfrm>
             <a:off x="1759680" y="2444760"/>
-            <a:ext cx="5800320" cy="2473920"/>
-          </a:xfrm>
-          <a:prstGeom prst="rect">
-            <a:avLst/>
-          </a:prstGeom>
-        </p:spPr>
-        <p:txBody>
-          <a:bodyPr tIns="91440" bIns="91440"/>
+            <a:ext cx="5799960" cy="2473560"/>
+          </a:xfrm>
+          <a:prstGeom prst="rect">
+            <a:avLst/>
+          </a:prstGeom>
+          <a:noFill/>
+          <a:ln>
+            <a:noFill/>
+          </a:ln>
+        </p:spPr>
+        <p:txBody>
+          <a:bodyPr lIns="90000" rIns="90000" tIns="91440" bIns="91440"/>
           <a:p>
             <a:pPr>
               <a:lnSpc>
@@ -5482,7 +5561,7 @@
       </p:sp>
       <p:pic>
         <p:nvPicPr>
-          <p:cNvPr id="125" name="Shape 134" descr=""/>
+          <p:cNvPr id="123" name="Shape 134" descr=""/>
           <p:cNvPicPr/>
           <p:nvPr/>
         </p:nvPicPr>
@@ -5495,7 +5574,7 @@
         <p:spPr>
           <a:xfrm>
             <a:off x="88200" y="951840"/>
-            <a:ext cx="8961840" cy="1238760"/>
+            <a:ext cx="8961480" cy="1238400"/>
           </a:xfrm>
           <a:prstGeom prst="rect">
             <a:avLst/>
@@ -5507,14 +5586,14 @@
       </p:pic>
       <p:sp>
         <p:nvSpPr>
-          <p:cNvPr id="126" name="CustomShape 3"/>
+          <p:cNvPr id="124" name="CustomShape 3"/>
           <p:cNvSpPr/>
           <p:nvPr/>
         </p:nvSpPr>
         <p:spPr>
           <a:xfrm>
             <a:off x="1789560" y="1457280"/>
-            <a:ext cx="811440" cy="331920"/>
+            <a:ext cx="811080" cy="331560"/>
           </a:xfrm>
           <a:prstGeom prst="rect">
             <a:avLst/>
@@ -5530,14 +5609,14 @@
       </p:sp>
       <p:sp>
         <p:nvSpPr>
-          <p:cNvPr id="127" name="CustomShape 4"/>
+          <p:cNvPr id="125" name="CustomShape 4"/>
           <p:cNvSpPr/>
           <p:nvPr/>
         </p:nvSpPr>
         <p:spPr>
           <a:xfrm flipH="1" rot="10800000">
-            <a:off x="1925640" y="1789920"/>
-            <a:ext cx="268920" cy="664920"/>
+            <a:off x="1925640" y="1790280"/>
+            <a:ext cx="268560" cy="664560"/>
           </a:xfrm>
           <a:prstGeom prst="straightConnector1">
             <a:avLst/>
@@ -5603,21 +5682,25 @@
       </p:grpSpPr>
       <p:sp>
         <p:nvSpPr>
-          <p:cNvPr id="128" name="TextShape 1"/>
-          <p:cNvSpPr txBox="1"/>
+          <p:cNvPr id="126" name="CustomShape 1"/>
+          <p:cNvSpPr/>
           <p:nvPr/>
         </p:nvSpPr>
         <p:spPr>
           <a:xfrm>
             <a:off x="311760" y="444960"/>
-            <a:ext cx="8520120" cy="572400"/>
-          </a:xfrm>
-          <a:prstGeom prst="rect">
-            <a:avLst/>
-          </a:prstGeom>
-        </p:spPr>
-        <p:txBody>
-          <a:bodyPr tIns="91440" bIns="91440"/>
+            <a:ext cx="8519760" cy="572040"/>
+          </a:xfrm>
+          <a:prstGeom prst="rect">
+            <a:avLst/>
+          </a:prstGeom>
+          <a:noFill/>
+          <a:ln>
+            <a:noFill/>
+          </a:ln>
+        </p:spPr>
+        <p:txBody>
+          <a:bodyPr lIns="90000" rIns="90000" tIns="91440" bIns="91440"/>
           <a:p>
             <a:pPr>
               <a:lnSpc>
@@ -5640,21 +5723,25 @@
       </p:sp>
       <p:sp>
         <p:nvSpPr>
-          <p:cNvPr id="129" name="TextShape 2"/>
-          <p:cNvSpPr txBox="1"/>
+          <p:cNvPr id="127" name="CustomShape 2"/>
+          <p:cNvSpPr/>
           <p:nvPr/>
         </p:nvSpPr>
         <p:spPr>
           <a:xfrm>
             <a:off x="4840920" y="1152360"/>
-            <a:ext cx="3091320" cy="3416040"/>
-          </a:xfrm>
-          <a:prstGeom prst="rect">
-            <a:avLst/>
-          </a:prstGeom>
-        </p:spPr>
-        <p:txBody>
-          <a:bodyPr tIns="91440" bIns="91440"/>
+            <a:ext cx="3090960" cy="3415680"/>
+          </a:xfrm>
+          <a:prstGeom prst="rect">
+            <a:avLst/>
+          </a:prstGeom>
+          <a:noFill/>
+          <a:ln>
+            <a:noFill/>
+          </a:ln>
+        </p:spPr>
+        <p:txBody>
+          <a:bodyPr lIns="90000" rIns="90000" tIns="91440" bIns="91440"/>
           <a:p>
             <a:pPr>
               <a:lnSpc>
@@ -5695,7 +5782,7 @@
       </p:sp>
       <p:pic>
         <p:nvPicPr>
-          <p:cNvPr id="130" name="Shape 143" descr=""/>
+          <p:cNvPr id="128" name="Shape 143" descr=""/>
           <p:cNvPicPr/>
           <p:nvPr/>
         </p:nvPicPr>
@@ -5708,7 +5795,7 @@
         <p:spPr>
           <a:xfrm>
             <a:off x="902160" y="979560"/>
-            <a:ext cx="3047760" cy="3762000"/>
+            <a:ext cx="3047400" cy="3761640"/>
           </a:xfrm>
           <a:prstGeom prst="rect">
             <a:avLst/>
